--- a/docs/template.pptx
+++ b/docs/template.pptx
@@ -261,7 +261,7 @@
           </a:bodyPr>
           <a:p>
             <a:pPr algn="r"/>
-            <a:fld id="{6453F97D-5024-4BFB-A1C3-E24D4668A9C4}" type="slidenum">
+            <a:fld id="{115A36EE-63CC-4E18-9EEE-CBE580903938}" type="slidenum">
               <a:rPr b="0" lang="en-US" sz="1400" spc="-1" strike="noStrike">
                 <a:latin typeface="Times New Roman"/>
               </a:rPr>
@@ -309,7 +309,7 @@
         <p:spPr>
           <a:xfrm>
             <a:off x="3332160" y="546120"/>
-            <a:ext cx="3554640" cy="2665440"/>
+            <a:ext cx="3553920" cy="2664720"/>
           </a:xfrm>
           <a:prstGeom prst="rect">
             <a:avLst/>
@@ -329,7 +329,7 @@
         <p:spPr>
           <a:xfrm>
             <a:off x="1378080" y="3378240"/>
-            <a:ext cx="7453440" cy="3213360"/>
+            <a:ext cx="7452720" cy="3212640"/>
           </a:xfrm>
           <a:prstGeom prst="rect">
             <a:avLst/>
@@ -340,7 +340,7 @@
             <a:noAutofit/>
           </a:bodyPr>
           <a:p>
-            <a:pPr marL="216000" indent="-214920">
+            <a:pPr marL="216000" indent="-214200">
               <a:lnSpc>
                 <a:spcPct val="100000"/>
               </a:lnSpc>
@@ -356,7 +356,7 @@
             </a:endParaRPr>
           </a:p>
           <a:p>
-            <a:pPr marL="216000" indent="-214920">
+            <a:pPr marL="216000" indent="-214200">
               <a:lnSpc>
                 <a:spcPct val="100000"/>
               </a:lnSpc>
@@ -366,7 +366,7 @@
             </a:endParaRPr>
           </a:p>
           <a:p>
-            <a:pPr marL="216000" indent="-214920">
+            <a:pPr marL="216000" indent="-214200">
               <a:lnSpc>
                 <a:spcPct val="100000"/>
               </a:lnSpc>
@@ -386,7 +386,7 @@
         <p:spPr>
           <a:xfrm>
             <a:off x="5851440" y="6757920"/>
-            <a:ext cx="4354560" cy="322560"/>
+            <a:ext cx="4353840" cy="321840"/>
           </a:xfrm>
           <a:prstGeom prst="rect">
             <a:avLst/>
@@ -412,7 +412,7 @@
                 <a:spcPct val="101000"/>
               </a:lnSpc>
             </a:pPr>
-            <a:fld id="{7AC1289E-6F19-4962-A326-76AD36BC0BDC}" type="slidenum">
+            <a:fld id="{7BA217A4-35A4-4E43-B77A-F79B6B850821}" type="slidenum">
               <a:rPr b="0" lang="en-US" sz="1200" spc="-1" strike="noStrike">
                 <a:solidFill>
                   <a:srgbClr val="000000"/>
@@ -3894,7 +3894,7 @@
       </p:grpSpPr>
       <p:sp>
         <p:nvSpPr>
-          <p:cNvPr id="144" name="PlaceHolder 1"/>
+          <p:cNvPr id="140" name="PlaceHolder 1"/>
           <p:cNvSpPr>
             <a:spLocks noGrp="1"/>
           </p:cNvSpPr>
@@ -3925,7 +3925,7 @@
       </p:sp>
       <p:sp>
         <p:nvSpPr>
-          <p:cNvPr id="145" name="PlaceHolder 2"/>
+          <p:cNvPr id="141" name="PlaceHolder 2"/>
           <p:cNvSpPr>
             <a:spLocks noGrp="1"/>
           </p:cNvSpPr>
@@ -3978,7 +3978,7 @@
       </p:grpSpPr>
       <p:sp>
         <p:nvSpPr>
-          <p:cNvPr id="146" name="PlaceHolder 1"/>
+          <p:cNvPr id="142" name="PlaceHolder 1"/>
           <p:cNvSpPr>
             <a:spLocks noGrp="1"/>
           </p:cNvSpPr>
@@ -4009,7 +4009,7 @@
       </p:sp>
       <p:sp>
         <p:nvSpPr>
-          <p:cNvPr id="147" name="PlaceHolder 2"/>
+          <p:cNvPr id="143" name="PlaceHolder 2"/>
           <p:cNvSpPr>
             <a:spLocks noGrp="1"/>
           </p:cNvSpPr>
@@ -4174,7 +4174,7 @@
       </p:grpSpPr>
       <p:sp>
         <p:nvSpPr>
-          <p:cNvPr id="148" name="PlaceHolder 1"/>
+          <p:cNvPr id="144" name="PlaceHolder 1"/>
           <p:cNvSpPr>
             <a:spLocks noGrp="1"/>
           </p:cNvSpPr>
@@ -4205,7 +4205,7 @@
       </p:sp>
       <p:sp>
         <p:nvSpPr>
-          <p:cNvPr id="149" name="PlaceHolder 2"/>
+          <p:cNvPr id="145" name="PlaceHolder 2"/>
           <p:cNvSpPr>
             <a:spLocks noGrp="1"/>
           </p:cNvSpPr>
@@ -4235,7 +4235,7 @@
       </p:sp>
       <p:sp>
         <p:nvSpPr>
-          <p:cNvPr id="150" name="PlaceHolder 3"/>
+          <p:cNvPr id="146" name="PlaceHolder 3"/>
           <p:cNvSpPr>
             <a:spLocks noGrp="1"/>
           </p:cNvSpPr>
@@ -4287,7 +4287,7 @@
       </p:grpSpPr>
       <p:sp>
         <p:nvSpPr>
-          <p:cNvPr id="151" name="PlaceHolder 1"/>
+          <p:cNvPr id="147" name="PlaceHolder 1"/>
           <p:cNvSpPr>
             <a:spLocks noGrp="1"/>
           </p:cNvSpPr>
@@ -4340,7 +4340,7 @@
       </p:grpSpPr>
       <p:sp>
         <p:nvSpPr>
-          <p:cNvPr id="152" name="PlaceHolder 1"/>
+          <p:cNvPr id="148" name="PlaceHolder 1"/>
           <p:cNvSpPr>
             <a:spLocks noGrp="1"/>
           </p:cNvSpPr>
@@ -4393,7 +4393,7 @@
       </p:grpSpPr>
       <p:sp>
         <p:nvSpPr>
-          <p:cNvPr id="153" name="PlaceHolder 1"/>
+          <p:cNvPr id="149" name="PlaceHolder 1"/>
           <p:cNvSpPr>
             <a:spLocks noGrp="1"/>
           </p:cNvSpPr>
@@ -4424,7 +4424,7 @@
       </p:sp>
       <p:sp>
         <p:nvSpPr>
-          <p:cNvPr id="154" name="PlaceHolder 2"/>
+          <p:cNvPr id="150" name="PlaceHolder 2"/>
           <p:cNvSpPr>
             <a:spLocks noGrp="1"/>
           </p:cNvSpPr>
@@ -4454,7 +4454,7 @@
       </p:sp>
       <p:sp>
         <p:nvSpPr>
-          <p:cNvPr id="155" name="PlaceHolder 3"/>
+          <p:cNvPr id="151" name="PlaceHolder 3"/>
           <p:cNvSpPr>
             <a:spLocks noGrp="1"/>
           </p:cNvSpPr>
@@ -4484,7 +4484,7 @@
       </p:sp>
       <p:sp>
         <p:nvSpPr>
-          <p:cNvPr id="156" name="PlaceHolder 4"/>
+          <p:cNvPr id="152" name="PlaceHolder 4"/>
           <p:cNvSpPr>
             <a:spLocks noGrp="1"/>
           </p:cNvSpPr>
@@ -4536,7 +4536,7 @@
       </p:grpSpPr>
       <p:sp>
         <p:nvSpPr>
-          <p:cNvPr id="157" name="PlaceHolder 1"/>
+          <p:cNvPr id="153" name="PlaceHolder 1"/>
           <p:cNvSpPr>
             <a:spLocks noGrp="1"/>
           </p:cNvSpPr>
@@ -4567,7 +4567,7 @@
       </p:sp>
       <p:sp>
         <p:nvSpPr>
-          <p:cNvPr id="158" name="PlaceHolder 2"/>
+          <p:cNvPr id="154" name="PlaceHolder 2"/>
           <p:cNvSpPr>
             <a:spLocks noGrp="1"/>
           </p:cNvSpPr>
@@ -4597,7 +4597,7 @@
       </p:sp>
       <p:sp>
         <p:nvSpPr>
-          <p:cNvPr id="159" name="PlaceHolder 3"/>
+          <p:cNvPr id="155" name="PlaceHolder 3"/>
           <p:cNvSpPr>
             <a:spLocks noGrp="1"/>
           </p:cNvSpPr>
@@ -4627,7 +4627,7 @@
       </p:sp>
       <p:sp>
         <p:nvSpPr>
-          <p:cNvPr id="160" name="PlaceHolder 4"/>
+          <p:cNvPr id="156" name="PlaceHolder 4"/>
           <p:cNvSpPr>
             <a:spLocks noGrp="1"/>
           </p:cNvSpPr>
@@ -4679,7 +4679,7 @@
       </p:grpSpPr>
       <p:sp>
         <p:nvSpPr>
-          <p:cNvPr id="161" name="PlaceHolder 1"/>
+          <p:cNvPr id="157" name="PlaceHolder 1"/>
           <p:cNvSpPr>
             <a:spLocks noGrp="1"/>
           </p:cNvSpPr>
@@ -4710,7 +4710,7 @@
       </p:sp>
       <p:sp>
         <p:nvSpPr>
-          <p:cNvPr id="162" name="PlaceHolder 2"/>
+          <p:cNvPr id="158" name="PlaceHolder 2"/>
           <p:cNvSpPr>
             <a:spLocks noGrp="1"/>
           </p:cNvSpPr>
@@ -4740,7 +4740,7 @@
       </p:sp>
       <p:sp>
         <p:nvSpPr>
-          <p:cNvPr id="163" name="PlaceHolder 3"/>
+          <p:cNvPr id="159" name="PlaceHolder 3"/>
           <p:cNvSpPr>
             <a:spLocks noGrp="1"/>
           </p:cNvSpPr>
@@ -4770,7 +4770,7 @@
       </p:sp>
       <p:sp>
         <p:nvSpPr>
-          <p:cNvPr id="164" name="PlaceHolder 4"/>
+          <p:cNvPr id="160" name="PlaceHolder 4"/>
           <p:cNvSpPr>
             <a:spLocks noGrp="1"/>
           </p:cNvSpPr>
@@ -4822,7 +4822,7 @@
       </p:grpSpPr>
       <p:sp>
         <p:nvSpPr>
-          <p:cNvPr id="165" name="PlaceHolder 1"/>
+          <p:cNvPr id="161" name="PlaceHolder 1"/>
           <p:cNvSpPr>
             <a:spLocks noGrp="1"/>
           </p:cNvSpPr>
@@ -4853,7 +4853,7 @@
       </p:sp>
       <p:sp>
         <p:nvSpPr>
-          <p:cNvPr id="166" name="PlaceHolder 2"/>
+          <p:cNvPr id="162" name="PlaceHolder 2"/>
           <p:cNvSpPr>
             <a:spLocks noGrp="1"/>
           </p:cNvSpPr>
@@ -4883,7 +4883,7 @@
       </p:sp>
       <p:sp>
         <p:nvSpPr>
-          <p:cNvPr id="167" name="PlaceHolder 3"/>
+          <p:cNvPr id="163" name="PlaceHolder 3"/>
           <p:cNvSpPr>
             <a:spLocks noGrp="1"/>
           </p:cNvSpPr>
@@ -4935,7 +4935,7 @@
       </p:grpSpPr>
       <p:sp>
         <p:nvSpPr>
-          <p:cNvPr id="168" name="PlaceHolder 1"/>
+          <p:cNvPr id="164" name="PlaceHolder 1"/>
           <p:cNvSpPr>
             <a:spLocks noGrp="1"/>
           </p:cNvSpPr>
@@ -4966,7 +4966,7 @@
       </p:sp>
       <p:sp>
         <p:nvSpPr>
-          <p:cNvPr id="169" name="PlaceHolder 2"/>
+          <p:cNvPr id="165" name="PlaceHolder 2"/>
           <p:cNvSpPr>
             <a:spLocks noGrp="1"/>
           </p:cNvSpPr>
@@ -4996,7 +4996,7 @@
       </p:sp>
       <p:sp>
         <p:nvSpPr>
-          <p:cNvPr id="170" name="PlaceHolder 3"/>
+          <p:cNvPr id="166" name="PlaceHolder 3"/>
           <p:cNvSpPr>
             <a:spLocks noGrp="1"/>
           </p:cNvSpPr>
@@ -5026,7 +5026,7 @@
       </p:sp>
       <p:sp>
         <p:nvSpPr>
-          <p:cNvPr id="171" name="PlaceHolder 4"/>
+          <p:cNvPr id="167" name="PlaceHolder 4"/>
           <p:cNvSpPr>
             <a:spLocks noGrp="1"/>
           </p:cNvSpPr>
@@ -5056,7 +5056,7 @@
       </p:sp>
       <p:sp>
         <p:nvSpPr>
-          <p:cNvPr id="172" name="PlaceHolder 5"/>
+          <p:cNvPr id="168" name="PlaceHolder 5"/>
           <p:cNvSpPr>
             <a:spLocks noGrp="1"/>
           </p:cNvSpPr>
@@ -5108,7 +5108,7 @@
       </p:grpSpPr>
       <p:sp>
         <p:nvSpPr>
-          <p:cNvPr id="173" name="PlaceHolder 1"/>
+          <p:cNvPr id="169" name="PlaceHolder 1"/>
           <p:cNvSpPr>
             <a:spLocks noGrp="1"/>
           </p:cNvSpPr>
@@ -5139,7 +5139,7 @@
       </p:sp>
       <p:sp>
         <p:nvSpPr>
-          <p:cNvPr id="174" name="PlaceHolder 2"/>
+          <p:cNvPr id="170" name="PlaceHolder 2"/>
           <p:cNvSpPr>
             <a:spLocks noGrp="1"/>
           </p:cNvSpPr>
@@ -5169,7 +5169,7 @@
       </p:sp>
       <p:sp>
         <p:nvSpPr>
-          <p:cNvPr id="175" name="PlaceHolder 3"/>
+          <p:cNvPr id="171" name="PlaceHolder 3"/>
           <p:cNvSpPr>
             <a:spLocks noGrp="1"/>
           </p:cNvSpPr>
@@ -5199,7 +5199,7 @@
       </p:sp>
       <p:sp>
         <p:nvSpPr>
-          <p:cNvPr id="176" name="PlaceHolder 4"/>
+          <p:cNvPr id="172" name="PlaceHolder 4"/>
           <p:cNvSpPr>
             <a:spLocks noGrp="1"/>
           </p:cNvSpPr>
@@ -5229,7 +5229,7 @@
       </p:sp>
       <p:sp>
         <p:nvSpPr>
-          <p:cNvPr id="177" name="PlaceHolder 5"/>
+          <p:cNvPr id="173" name="PlaceHolder 5"/>
           <p:cNvSpPr>
             <a:spLocks noGrp="1"/>
           </p:cNvSpPr>
@@ -5259,7 +5259,7 @@
       </p:sp>
       <p:sp>
         <p:nvSpPr>
-          <p:cNvPr id="178" name="PlaceHolder 6"/>
+          <p:cNvPr id="174" name="PlaceHolder 6"/>
           <p:cNvSpPr>
             <a:spLocks noGrp="1"/>
           </p:cNvSpPr>
@@ -5289,7 +5289,7 @@
       </p:sp>
       <p:sp>
         <p:nvSpPr>
-          <p:cNvPr id="179" name="PlaceHolder 7"/>
+          <p:cNvPr id="175" name="PlaceHolder 7"/>
           <p:cNvSpPr>
             <a:spLocks noGrp="1"/>
           </p:cNvSpPr>
@@ -7253,7 +7253,7 @@
           </a:prstGeom>
           <a:ln w="19080">
             <a:solidFill>
-              <a:srgbClr val="000000"/>
+              <a:schemeClr val="tx1"/>
             </a:solidFill>
             <a:miter/>
           </a:ln>
@@ -7281,7 +7281,7 @@
           </a:prstGeom>
           <a:ln w="19080">
             <a:solidFill>
-              <a:srgbClr val="000000"/>
+              <a:schemeClr val="tx1"/>
             </a:solidFill>
             <a:miter/>
           </a:ln>
@@ -7309,7 +7309,7 @@
           </a:prstGeom>
           <a:ln w="19080">
             <a:solidFill>
-              <a:srgbClr val="000000"/>
+              <a:schemeClr val="tx1"/>
             </a:solidFill>
             <a:miter/>
           </a:ln>
@@ -7334,7 +7334,7 @@
         <p:spPr>
           <a:xfrm>
             <a:off x="0" y="6297480"/>
-            <a:ext cx="514440" cy="559080"/>
+            <a:ext cx="515160" cy="559800"/>
           </a:xfrm>
           <a:prstGeom prst="rect">
             <a:avLst/>
@@ -7353,7 +7353,7 @@
         <p:spPr>
           <a:xfrm>
             <a:off x="7812360" y="6381360"/>
-            <a:ext cx="1191240" cy="344520"/>
+            <a:ext cx="1191960" cy="344880"/>
           </a:xfrm>
           <a:prstGeom prst="rect">
             <a:avLst/>
@@ -7379,7 +7379,7 @@
                 <a:spcPct val="93000"/>
               </a:lnSpc>
             </a:pPr>
-            <a:fld id="{AA11305A-B59D-4875-BB47-54D6AA49F84A}" type="slidenum">
+            <a:fld id="{9FE7DA40-F1AC-4510-93CC-4EFF19BE1735}" type="slidenum">
               <a:rPr b="0" lang="en-US" sz="1800" spc="-1" strike="noStrike">
                 <a:solidFill>
                   <a:srgbClr val="002664"/>
@@ -7404,7 +7404,7 @@
         <p:spPr>
           <a:xfrm>
             <a:off x="3124080" y="5962680"/>
-            <a:ext cx="4646880" cy="836640"/>
+            <a:ext cx="4647600" cy="837360"/>
           </a:xfrm>
           <a:prstGeom prst="rect">
             <a:avLst/>
@@ -7488,7 +7488,7 @@
           </a:prstGeom>
           <a:ln w="38160">
             <a:solidFill>
-              <a:srgbClr val="000000"/>
+              <a:schemeClr val="tx1"/>
             </a:solidFill>
             <a:miter/>
           </a:ln>
@@ -7516,7 +7516,7 @@
           </a:prstGeom>
           <a:ln w="38160">
             <a:solidFill>
-              <a:srgbClr val="000000"/>
+              <a:schemeClr val="tx1"/>
             </a:solidFill>
             <a:miter/>
           </a:ln>
@@ -7541,7 +7541,7 @@
         <p:spPr>
           <a:xfrm>
             <a:off x="2338560" y="5967360"/>
-            <a:ext cx="655920" cy="712800"/>
+            <a:ext cx="656640" cy="713520"/>
           </a:xfrm>
           <a:prstGeom prst="rect">
             <a:avLst/>
@@ -7908,7 +7908,7 @@
         <p:spPr>
           <a:xfrm>
             <a:off x="0" y="6297480"/>
-            <a:ext cx="514440" cy="559080"/>
+            <a:ext cx="513720" cy="558360"/>
           </a:xfrm>
           <a:prstGeom prst="rect">
             <a:avLst/>
@@ -7927,7 +7927,7 @@
         <p:spPr>
           <a:xfrm>
             <a:off x="7812360" y="6381360"/>
-            <a:ext cx="1191240" cy="344520"/>
+            <a:ext cx="1190520" cy="344520"/>
           </a:xfrm>
           <a:prstGeom prst="rect">
             <a:avLst/>
@@ -7953,7 +7953,7 @@
                 <a:spcPct val="93000"/>
               </a:lnSpc>
             </a:pPr>
-            <a:fld id="{387D14BA-3F04-491A-95EC-F3B1E50FD0E3}" type="slidenum">
+            <a:fld id="{4061A868-B4B7-45CD-9FB0-C2234F88257C}" type="slidenum">
               <a:rPr b="0" lang="en-US" sz="1800" spc="-1" strike="noStrike">
                 <a:solidFill>
                   <a:srgbClr val="002664"/>
@@ -7961,7 +7961,7 @@
                 <a:latin typeface="Arial"/>
                 <a:ea typeface="MS Gothic"/>
               </a:rPr>
-              <a:t>1</a:t>
+              <a:t>&lt;number&gt;</a:t>
             </a:fld>
             <a:endParaRPr b="0" lang="en-US" sz="1800" spc="-1" strike="noStrike">
               <a:latin typeface="Arial"/>
@@ -8326,7 +8326,7 @@
         <p:spPr>
           <a:xfrm>
             <a:off x="0" y="6297480"/>
-            <a:ext cx="514440" cy="559080"/>
+            <a:ext cx="513720" cy="558360"/>
           </a:xfrm>
           <a:prstGeom prst="rect">
             <a:avLst/>
@@ -8345,7 +8345,7 @@
         <p:spPr>
           <a:xfrm>
             <a:off x="7812360" y="6381360"/>
-            <a:ext cx="1191240" cy="344520"/>
+            <a:ext cx="1190520" cy="344520"/>
           </a:xfrm>
           <a:prstGeom prst="rect">
             <a:avLst/>
@@ -8371,7 +8371,7 @@
                 <a:spcPct val="93000"/>
               </a:lnSpc>
             </a:pPr>
-            <a:fld id="{65138D07-8890-4B4D-B7DE-F44F444F1370}" type="slidenum">
+            <a:fld id="{79CBAFE5-4CA9-472F-9921-A2117E9F58D7}" type="slidenum">
               <a:rPr b="0" lang="en-US" sz="1800" spc="-1" strike="noStrike">
                 <a:solidFill>
                   <a:srgbClr val="002664"/>
@@ -8379,7 +8379,7 @@
                 <a:latin typeface="Arial"/>
                 <a:ea typeface="MS Gothic"/>
               </a:rPr>
-              <a:t>1</a:t>
+              <a:t>&lt;number&gt;</a:t>
             </a:fld>
             <a:endParaRPr b="0" lang="en-US" sz="1800" spc="-1" strike="noStrike">
               <a:latin typeface="Arial"/>
@@ -8663,7 +8663,7 @@
           </a:prstGeom>
           <a:ln w="19080">
             <a:solidFill>
-              <a:schemeClr val="tx1"/>
+              <a:srgbClr val="000000"/>
             </a:solidFill>
             <a:miter/>
           </a:ln>
@@ -8691,7 +8691,7 @@
           </a:prstGeom>
           <a:ln w="19080">
             <a:solidFill>
-              <a:schemeClr val="tx1"/>
+              <a:srgbClr val="000000"/>
             </a:solidFill>
             <a:miter/>
           </a:ln>
@@ -8719,7 +8719,7 @@
           </a:prstGeom>
           <a:ln w="19080">
             <a:solidFill>
-              <a:schemeClr val="tx1"/>
+              <a:srgbClr val="000000"/>
             </a:solidFill>
             <a:miter/>
           </a:ln>
@@ -8744,7 +8744,7 @@
         <p:spPr>
           <a:xfrm>
             <a:off x="0" y="6297480"/>
-            <a:ext cx="515520" cy="560160"/>
+            <a:ext cx="513720" cy="558360"/>
           </a:xfrm>
           <a:prstGeom prst="rect">
             <a:avLst/>
@@ -8756,14 +8756,14 @@
       </p:pic>
       <p:sp>
         <p:nvSpPr>
-          <p:cNvPr id="137" name="CustomShape 4" hidden="1"/>
+          <p:cNvPr id="137" name="CustomShape 4"/>
           <p:cNvSpPr/>
           <p:nvPr/>
         </p:nvSpPr>
         <p:spPr>
           <a:xfrm>
             <a:off x="7812360" y="6381360"/>
-            <a:ext cx="1192320" cy="345240"/>
+            <a:ext cx="1190520" cy="344520"/>
           </a:xfrm>
           <a:prstGeom prst="rect">
             <a:avLst/>
@@ -8789,7 +8789,7 @@
                 <a:spcPct val="93000"/>
               </a:lnSpc>
             </a:pPr>
-            <a:fld id="{87DC85EE-0A5F-4E11-A866-E9928EC2E289}" type="slidenum">
+            <a:fld id="{53075522-2428-47AA-AF06-DE28B3525BD5}" type="slidenum">
               <a:rPr b="0" lang="en-US" sz="1800" spc="-1" strike="noStrike">
                 <a:solidFill>
                   <a:srgbClr val="002664"/>
@@ -8797,7 +8797,7 @@
                 <a:latin typeface="Arial"/>
                 <a:ea typeface="MS Gothic"/>
               </a:rPr>
-              <a:t>1</a:t>
+              <a:t>&lt;number&gt;</a:t>
             </a:fld>
             <a:endParaRPr b="0" lang="en-US" sz="1800" spc="-1" strike="noStrike">
               <a:latin typeface="Arial"/>
@@ -8807,211 +8807,44 @@
       </p:sp>
       <p:sp>
         <p:nvSpPr>
-          <p:cNvPr id="138" name="CustomShape 5"/>
-          <p:cNvSpPr/>
-          <p:nvPr/>
-        </p:nvSpPr>
-        <p:spPr>
-          <a:xfrm>
-            <a:off x="3124080" y="5962680"/>
-            <a:ext cx="4647960" cy="837720"/>
-          </a:xfrm>
-          <a:prstGeom prst="rect">
-            <a:avLst/>
-          </a:prstGeom>
-          <a:noFill/>
-          <a:ln w="9360">
-            <a:noFill/>
-          </a:ln>
-        </p:spPr>
-        <p:style>
-          <a:lnRef idx="0"/>
-          <a:fillRef idx="0"/>
-          <a:effectRef idx="0"/>
-          <a:fontRef idx="minor"/>
-        </p:style>
-        <p:txBody>
-          <a:bodyPr lIns="90000" rIns="90000" tIns="45000" bIns="45000">
+          <p:cNvPr id="138" name="PlaceHolder 5"/>
+          <p:cNvSpPr>
+            <a:spLocks noGrp="1"/>
+          </p:cNvSpPr>
+          <p:nvPr>
+            <p:ph type="title"/>
+          </p:nvPr>
+        </p:nvSpPr>
+        <p:spPr>
+          <a:xfrm>
+            <a:off x="457200" y="273600"/>
+            <a:ext cx="8229240" cy="1144800"/>
+          </a:xfrm>
+          <a:prstGeom prst="rect">
+            <a:avLst/>
+          </a:prstGeom>
+        </p:spPr>
+        <p:txBody>
+          <a:bodyPr lIns="0" rIns="0" tIns="0" bIns="0" anchor="ctr">
             <a:noAutofit/>
           </a:bodyPr>
           <a:p>
-            <a:pPr>
-              <a:lnSpc>
-                <a:spcPct val="93000"/>
-              </a:lnSpc>
-              <a:spcBef>
-                <a:spcPts val="360"/>
-              </a:spcBef>
-            </a:pPr>
-            <a:r>
-              <a:rPr b="0" lang="en-US" sz="1800" spc="-1" strike="noStrike">
-                <a:solidFill>
-                  <a:srgbClr val="40458c"/>
-                </a:solidFill>
-                <a:latin typeface="Tahoma"/>
-                <a:ea typeface="MS Gothic"/>
-              </a:rPr>
-              <a:t>Computer Networks Group</a:t>
-            </a:r>
-            <a:endParaRPr b="0" lang="en-US" sz="1800" spc="-1" strike="noStrike">
-              <a:latin typeface="Arial"/>
-            </a:endParaRPr>
-          </a:p>
-          <a:p>
-            <a:pPr>
-              <a:lnSpc>
-                <a:spcPct val="93000"/>
-              </a:lnSpc>
-              <a:spcBef>
-                <a:spcPts val="360"/>
-              </a:spcBef>
-            </a:pPr>
-            <a:r>
-              <a:rPr b="0" lang="en-US" sz="1800" spc="-1" strike="noStrike">
-                <a:solidFill>
-                  <a:srgbClr val="40458c"/>
-                </a:solidFill>
-                <a:latin typeface="Tahoma"/>
-                <a:ea typeface="MS Gothic"/>
-              </a:rPr>
-              <a:t>Universität Paderborn</a:t>
-            </a:r>
-            <a:endParaRPr b="0" lang="en-US" sz="1800" spc="-1" strike="noStrike">
-              <a:latin typeface="Arial"/>
-            </a:endParaRPr>
-          </a:p>
-        </p:txBody>
-      </p:sp>
-      <p:sp>
-        <p:nvSpPr>
-          <p:cNvPr id="139" name="Line 6"/>
-          <p:cNvSpPr/>
-          <p:nvPr/>
-        </p:nvSpPr>
-        <p:spPr>
-          <a:xfrm>
-            <a:off x="750600" y="2220840"/>
-            <a:ext cx="0" cy="761760"/>
-          </a:xfrm>
-          <a:prstGeom prst="line">
-            <a:avLst/>
-          </a:prstGeom>
-          <a:ln w="38160">
-            <a:solidFill>
-              <a:schemeClr val="tx1"/>
-            </a:solidFill>
-            <a:miter/>
-          </a:ln>
-        </p:spPr>
-        <p:style>
-          <a:lnRef idx="0"/>
-          <a:fillRef idx="0"/>
-          <a:effectRef idx="0"/>
-          <a:fontRef idx="minor"/>
-        </p:style>
-      </p:sp>
-      <p:sp>
-        <p:nvSpPr>
-          <p:cNvPr id="140" name="Line 7"/>
-          <p:cNvSpPr/>
-          <p:nvPr/>
-        </p:nvSpPr>
-        <p:spPr>
-          <a:xfrm>
-            <a:off x="512640" y="2752560"/>
-            <a:ext cx="8207280" cy="0"/>
-          </a:xfrm>
-          <a:prstGeom prst="line">
-            <a:avLst/>
-          </a:prstGeom>
-          <a:ln w="38160">
-            <a:solidFill>
-              <a:schemeClr val="tx1"/>
-            </a:solidFill>
-            <a:miter/>
-          </a:ln>
-        </p:spPr>
-        <p:style>
-          <a:lnRef idx="0"/>
-          <a:fillRef idx="0"/>
-          <a:effectRef idx="0"/>
-          <a:fontRef idx="minor"/>
-        </p:style>
-      </p:sp>
-      <p:pic>
-        <p:nvPicPr>
-          <p:cNvPr id="141" name="Picture 15" descr=""/>
-          <p:cNvPicPr/>
-          <p:nvPr/>
-        </p:nvPicPr>
-        <p:blipFill>
-          <a:blip r:embed="rId3"/>
-          <a:stretch/>
-        </p:blipFill>
-        <p:spPr>
-          <a:xfrm>
-            <a:off x="2338560" y="5967360"/>
-            <a:ext cx="657000" cy="713880"/>
-          </a:xfrm>
-          <a:prstGeom prst="rect">
-            <a:avLst/>
-          </a:prstGeom>
-          <a:ln w="9360">
-            <a:noFill/>
-          </a:ln>
-        </p:spPr>
-      </p:pic>
-      <p:sp>
-        <p:nvSpPr>
-          <p:cNvPr id="142" name="PlaceHolder 8"/>
-          <p:cNvSpPr>
-            <a:spLocks noGrp="1"/>
-          </p:cNvSpPr>
-          <p:nvPr>
-            <p:ph type="title"/>
-          </p:nvPr>
-        </p:nvSpPr>
-        <p:spPr>
-          <a:xfrm>
-            <a:off x="990720" y="1400040"/>
-            <a:ext cx="7772040" cy="1142640"/>
-          </a:xfrm>
-          <a:prstGeom prst="rect">
-            <a:avLst/>
-          </a:prstGeom>
-        </p:spPr>
-        <p:txBody>
-          <a:bodyPr anchor="b">
-            <a:noAutofit/>
-          </a:bodyPr>
-          <a:p>
-            <a:pPr>
-              <a:lnSpc>
-                <a:spcPct val="100000"/>
-              </a:lnSpc>
-            </a:pPr>
-            <a:r>
-              <a:rPr b="0" lang="en-GB" sz="3200" spc="-1" strike="noStrike">
-                <a:solidFill>
-                  <a:srgbClr val="660066"/>
-                </a:solidFill>
-                <a:latin typeface="Arial"/>
-                <a:ea typeface="ＭＳ Ｐゴシック"/>
-              </a:rPr>
-              <a:t>Click to edit Master title style</a:t>
-            </a:r>
-            <a:endParaRPr b="0" lang="en-GB" sz="3200" spc="-1" strike="noStrike">
-              <a:solidFill>
-                <a:srgbClr val="ffffff"/>
-              </a:solidFill>
-              <a:latin typeface="Arial"/>
-            </a:endParaRPr>
-          </a:p>
-        </p:txBody>
-      </p:sp>
-      <p:sp>
-        <p:nvSpPr>
-          <p:cNvPr id="143" name="PlaceHolder 9"/>
+            <a:pPr algn="ctr"/>
+            <a:r>
+              <a:rPr b="0" lang="en-US" sz="4400" spc="-1" strike="noStrike">
+                <a:latin typeface="Arial"/>
+              </a:rPr>
+              <a:t>Click to edit the title text format</a:t>
+            </a:r>
+            <a:endParaRPr b="0" lang="en-US" sz="4400" spc="-1" strike="noStrike">
+              <a:latin typeface="Arial"/>
+            </a:endParaRPr>
+          </a:p>
+        </p:txBody>
+      </p:sp>
+      <p:sp>
+        <p:nvSpPr>
+          <p:cNvPr id="139" name="PlaceHolder 6"/>
           <p:cNvSpPr>
             <a:spLocks noGrp="1"/>
           </p:cNvSpPr>
@@ -9045,18 +8878,12 @@
               <a:buChar char=""/>
             </a:pPr>
             <a:r>
-              <a:rPr b="0" lang="en-GB" sz="2400" spc="-1" strike="noStrike">
-                <a:solidFill>
-                  <a:srgbClr val="40458c"/>
-                </a:solidFill>
+              <a:rPr b="0" lang="en-US" sz="3200" spc="-1" strike="noStrike">
                 <a:latin typeface="Arial"/>
               </a:rPr>
               <a:t>Click to edit the outline text format</a:t>
             </a:r>
-            <a:endParaRPr b="0" lang="en-GB" sz="2400" spc="-1" strike="noStrike">
-              <a:solidFill>
-                <a:srgbClr val="40458c"/>
-              </a:solidFill>
+            <a:endParaRPr b="0" lang="en-US" sz="3200" spc="-1" strike="noStrike">
               <a:latin typeface="Arial"/>
             </a:endParaRPr>
           </a:p>
@@ -9073,18 +8900,12 @@
               <a:buChar char=""/>
             </a:pPr>
             <a:r>
-              <a:rPr b="0" lang="en-GB" sz="1800" spc="-1" strike="noStrike">
-                <a:solidFill>
-                  <a:srgbClr val="40458c"/>
-                </a:solidFill>
+              <a:rPr b="0" lang="en-US" sz="2800" spc="-1" strike="noStrike">
                 <a:latin typeface="Arial"/>
               </a:rPr>
               <a:t>Second Outline Level</a:t>
             </a:r>
-            <a:endParaRPr b="0" lang="en-GB" sz="1800" spc="-1" strike="noStrike">
-              <a:solidFill>
-                <a:srgbClr val="40458c"/>
-              </a:solidFill>
+            <a:endParaRPr b="0" lang="en-US" sz="2800" spc="-1" strike="noStrike">
               <a:latin typeface="Arial"/>
             </a:endParaRPr>
           </a:p>
@@ -9101,18 +8922,12 @@
               <a:buChar char=""/>
             </a:pPr>
             <a:r>
-              <a:rPr b="0" lang="en-GB" sz="1600" spc="-1" strike="noStrike">
-                <a:solidFill>
-                  <a:srgbClr val="40458c"/>
-                </a:solidFill>
+              <a:rPr b="0" lang="en-US" sz="2400" spc="-1" strike="noStrike">
                 <a:latin typeface="Arial"/>
               </a:rPr>
               <a:t>Third Outline Level</a:t>
             </a:r>
-            <a:endParaRPr b="0" lang="en-GB" sz="1600" spc="-1" strike="noStrike">
-              <a:solidFill>
-                <a:srgbClr val="40458c"/>
-              </a:solidFill>
+            <a:endParaRPr b="0" lang="en-US" sz="2400" spc="-1" strike="noStrike">
               <a:latin typeface="Arial"/>
             </a:endParaRPr>
           </a:p>
@@ -9129,18 +8944,12 @@
               <a:buChar char=""/>
             </a:pPr>
             <a:r>
-              <a:rPr b="0" lang="en-GB" sz="1600" spc="-1" strike="noStrike">
-                <a:solidFill>
-                  <a:srgbClr val="40458c"/>
-                </a:solidFill>
+              <a:rPr b="0" lang="en-US" sz="2000" spc="-1" strike="noStrike">
                 <a:latin typeface="Arial"/>
               </a:rPr>
               <a:t>Fourth Outline Level</a:t>
             </a:r>
-            <a:endParaRPr b="0" lang="en-GB" sz="1600" spc="-1" strike="noStrike">
-              <a:solidFill>
-                <a:srgbClr val="40458c"/>
-              </a:solidFill>
+            <a:endParaRPr b="0" lang="en-US" sz="2000" spc="-1" strike="noStrike">
               <a:latin typeface="Arial"/>
             </a:endParaRPr>
           </a:p>
@@ -9157,18 +8966,12 @@
               <a:buChar char=""/>
             </a:pPr>
             <a:r>
-              <a:rPr b="0" lang="en-GB" sz="2000" spc="-1" strike="noStrike">
-                <a:solidFill>
-                  <a:srgbClr val="40458c"/>
-                </a:solidFill>
+              <a:rPr b="0" lang="en-US" sz="2000" spc="-1" strike="noStrike">
                 <a:latin typeface="Arial"/>
               </a:rPr>
               <a:t>Fifth Outline Level</a:t>
             </a:r>
-            <a:endParaRPr b="0" lang="en-GB" sz="2000" spc="-1" strike="noStrike">
-              <a:solidFill>
-                <a:srgbClr val="40458c"/>
-              </a:solidFill>
+            <a:endParaRPr b="0" lang="en-US" sz="2000" spc="-1" strike="noStrike">
               <a:latin typeface="Arial"/>
             </a:endParaRPr>
           </a:p>
@@ -9185,18 +8988,12 @@
               <a:buChar char=""/>
             </a:pPr>
             <a:r>
-              <a:rPr b="0" lang="en-GB" sz="2000" spc="-1" strike="noStrike">
-                <a:solidFill>
-                  <a:srgbClr val="40458c"/>
-                </a:solidFill>
+              <a:rPr b="0" lang="en-US" sz="2000" spc="-1" strike="noStrike">
                 <a:latin typeface="Arial"/>
               </a:rPr>
               <a:t>Sixth Outline Level</a:t>
             </a:r>
-            <a:endParaRPr b="0" lang="en-GB" sz="2000" spc="-1" strike="noStrike">
-              <a:solidFill>
-                <a:srgbClr val="40458c"/>
-              </a:solidFill>
+            <a:endParaRPr b="0" lang="en-US" sz="2000" spc="-1" strike="noStrike">
               <a:latin typeface="Arial"/>
             </a:endParaRPr>
           </a:p>
@@ -9213,18 +9010,12 @@
               <a:buChar char=""/>
             </a:pPr>
             <a:r>
-              <a:rPr b="0" lang="en-GB" sz="2000" spc="-1" strike="noStrike">
-                <a:solidFill>
-                  <a:srgbClr val="40458c"/>
-                </a:solidFill>
+              <a:rPr b="0" lang="en-US" sz="2000" spc="-1" strike="noStrike">
                 <a:latin typeface="Arial"/>
               </a:rPr>
               <a:t>Seventh Outline Level</a:t>
             </a:r>
-            <a:endParaRPr b="0" lang="en-GB" sz="2000" spc="-1" strike="noStrike">
-              <a:solidFill>
-                <a:srgbClr val="40458c"/>
-              </a:solidFill>
+            <a:endParaRPr b="0" lang="en-US" sz="2000" spc="-1" strike="noStrike">
               <a:latin typeface="Arial"/>
             </a:endParaRPr>
           </a:p>
@@ -9234,18 +9025,18 @@
   </p:cSld>
   <p:clrMap bg1="lt1" bg2="lt2" tx1="dk1" tx2="dk2" accent1="accent1" accent2="accent2" accent3="accent3" accent4="accent4" accent5="accent5" accent6="accent6" hlink="hlink" folHlink="folHlink"/>
   <p:sldLayoutIdLst>
-    <p:sldLayoutId id="2147483688" r:id="rId4"/>
-    <p:sldLayoutId id="2147483689" r:id="rId5"/>
-    <p:sldLayoutId id="2147483690" r:id="rId6"/>
-    <p:sldLayoutId id="2147483691" r:id="rId7"/>
-    <p:sldLayoutId id="2147483692" r:id="rId8"/>
-    <p:sldLayoutId id="2147483693" r:id="rId9"/>
-    <p:sldLayoutId id="2147483694" r:id="rId10"/>
-    <p:sldLayoutId id="2147483695" r:id="rId11"/>
-    <p:sldLayoutId id="2147483696" r:id="rId12"/>
-    <p:sldLayoutId id="2147483697" r:id="rId13"/>
-    <p:sldLayoutId id="2147483698" r:id="rId14"/>
-    <p:sldLayoutId id="2147483699" r:id="rId15"/>
+    <p:sldLayoutId id="2147483688" r:id="rId3"/>
+    <p:sldLayoutId id="2147483689" r:id="rId4"/>
+    <p:sldLayoutId id="2147483690" r:id="rId5"/>
+    <p:sldLayoutId id="2147483691" r:id="rId6"/>
+    <p:sldLayoutId id="2147483692" r:id="rId7"/>
+    <p:sldLayoutId id="2147483693" r:id="rId8"/>
+    <p:sldLayoutId id="2147483694" r:id="rId9"/>
+    <p:sldLayoutId id="2147483695" r:id="rId10"/>
+    <p:sldLayoutId id="2147483696" r:id="rId11"/>
+    <p:sldLayoutId id="2147483697" r:id="rId12"/>
+    <p:sldLayoutId id="2147483698" r:id="rId13"/>
+    <p:sldLayoutId id="2147483699" r:id="rId14"/>
   </p:sldLayoutIdLst>
 </p:sldMaster>
 </file>
@@ -9276,7 +9067,7 @@
       </p:grpSpPr>
       <p:sp>
         <p:nvSpPr>
-          <p:cNvPr id="180" name="Line 1"/>
+          <p:cNvPr id="176" name="Line 1"/>
           <p:cNvSpPr/>
           <p:nvPr/>
         </p:nvSpPr>
@@ -9290,7 +9081,7 @@
           </a:prstGeom>
           <a:ln w="19080">
             <a:solidFill>
-              <a:srgbClr val="000000"/>
+              <a:schemeClr val="tx1"/>
             </a:solidFill>
             <a:miter/>
           </a:ln>
@@ -9304,7 +9095,7 @@
       </p:sp>
       <p:sp>
         <p:nvSpPr>
-          <p:cNvPr id="181" name="Line 2"/>
+          <p:cNvPr id="177" name="Line 2"/>
           <p:cNvSpPr/>
           <p:nvPr/>
         </p:nvSpPr>
@@ -9318,7 +9109,7 @@
           </a:prstGeom>
           <a:ln w="19080">
             <a:solidFill>
-              <a:srgbClr val="000000"/>
+              <a:schemeClr val="tx1"/>
             </a:solidFill>
             <a:miter/>
           </a:ln>
@@ -9332,7 +9123,7 @@
       </p:sp>
       <p:sp>
         <p:nvSpPr>
-          <p:cNvPr id="182" name="Line 3"/>
+          <p:cNvPr id="178" name="Line 3"/>
           <p:cNvSpPr/>
           <p:nvPr/>
         </p:nvSpPr>
@@ -9346,7 +9137,7 @@
           </a:prstGeom>
           <a:ln w="19080">
             <a:solidFill>
-              <a:srgbClr val="000000"/>
+              <a:schemeClr val="tx1"/>
             </a:solidFill>
             <a:miter/>
           </a:ln>
@@ -9360,7 +9151,7 @@
       </p:sp>
       <p:pic>
         <p:nvPicPr>
-          <p:cNvPr id="183" name="Picture 30" descr=""/>
+          <p:cNvPr id="179" name="Picture 30" descr=""/>
           <p:cNvPicPr/>
           <p:nvPr/>
         </p:nvPicPr>
@@ -9371,7 +9162,7 @@
         <p:spPr>
           <a:xfrm>
             <a:off x="0" y="6297480"/>
-            <a:ext cx="514440" cy="559080"/>
+            <a:ext cx="515520" cy="560160"/>
           </a:xfrm>
           <a:prstGeom prst="rect">
             <a:avLst/>
@@ -9383,14 +9174,14 @@
       </p:pic>
       <p:sp>
         <p:nvSpPr>
-          <p:cNvPr id="184" name="CustomShape 4"/>
+          <p:cNvPr id="180" name="CustomShape 4" hidden="1"/>
           <p:cNvSpPr/>
           <p:nvPr/>
         </p:nvSpPr>
         <p:spPr>
           <a:xfrm>
             <a:off x="7812360" y="6381360"/>
-            <a:ext cx="1191240" cy="344520"/>
+            <a:ext cx="1192320" cy="345240"/>
           </a:xfrm>
           <a:prstGeom prst="rect">
             <a:avLst/>
@@ -9416,7 +9207,7 @@
                 <a:spcPct val="93000"/>
               </a:lnSpc>
             </a:pPr>
-            <a:fld id="{1023E0D8-923C-468E-A74A-EB4CD23C22C7}" type="slidenum">
+            <a:fld id="{4994CB79-DB9E-4202-A11E-0CF9B6B8BF87}" type="slidenum">
               <a:rPr b="0" lang="en-US" sz="1800" spc="-1" strike="noStrike">
                 <a:solidFill>
                   <a:srgbClr val="002664"/>
@@ -9424,7 +9215,7 @@
                 <a:latin typeface="Arial"/>
                 <a:ea typeface="MS Gothic"/>
               </a:rPr>
-              <a:t>1</a:t>
+              <a:t>&lt;number&gt;</a:t>
             </a:fld>
             <a:endParaRPr b="0" lang="en-US" sz="1800" spc="-1" strike="noStrike">
               <a:latin typeface="Arial"/>
@@ -9434,7 +9225,163 @@
       </p:sp>
       <p:sp>
         <p:nvSpPr>
-          <p:cNvPr id="185" name="PlaceHolder 5"/>
+          <p:cNvPr id="181" name="CustomShape 5"/>
+          <p:cNvSpPr/>
+          <p:nvPr/>
+        </p:nvSpPr>
+        <p:spPr>
+          <a:xfrm>
+            <a:off x="3124080" y="5962680"/>
+            <a:ext cx="4647960" cy="837720"/>
+          </a:xfrm>
+          <a:prstGeom prst="rect">
+            <a:avLst/>
+          </a:prstGeom>
+          <a:noFill/>
+          <a:ln w="9360">
+            <a:noFill/>
+          </a:ln>
+        </p:spPr>
+        <p:style>
+          <a:lnRef idx="0"/>
+          <a:fillRef idx="0"/>
+          <a:effectRef idx="0"/>
+          <a:fontRef idx="minor"/>
+        </p:style>
+        <p:txBody>
+          <a:bodyPr lIns="90000" rIns="90000" tIns="45000" bIns="45000">
+            <a:noAutofit/>
+          </a:bodyPr>
+          <a:p>
+            <a:pPr>
+              <a:lnSpc>
+                <a:spcPct val="93000"/>
+              </a:lnSpc>
+              <a:spcBef>
+                <a:spcPts val="360"/>
+              </a:spcBef>
+            </a:pPr>
+            <a:r>
+              <a:rPr b="0" lang="en-US" sz="1800" spc="-1" strike="noStrike">
+                <a:solidFill>
+                  <a:srgbClr val="40458c"/>
+                </a:solidFill>
+                <a:latin typeface="Tahoma"/>
+                <a:ea typeface="MS Gothic"/>
+              </a:rPr>
+              <a:t>Computer Networks Group</a:t>
+            </a:r>
+            <a:endParaRPr b="0" lang="en-US" sz="1800" spc="-1" strike="noStrike">
+              <a:latin typeface="Arial"/>
+            </a:endParaRPr>
+          </a:p>
+          <a:p>
+            <a:pPr>
+              <a:lnSpc>
+                <a:spcPct val="93000"/>
+              </a:lnSpc>
+              <a:spcBef>
+                <a:spcPts val="360"/>
+              </a:spcBef>
+            </a:pPr>
+            <a:r>
+              <a:rPr b="0" lang="en-US" sz="1800" spc="-1" strike="noStrike">
+                <a:solidFill>
+                  <a:srgbClr val="40458c"/>
+                </a:solidFill>
+                <a:latin typeface="Tahoma"/>
+                <a:ea typeface="MS Gothic"/>
+              </a:rPr>
+              <a:t>Universität Paderborn</a:t>
+            </a:r>
+            <a:endParaRPr b="0" lang="en-US" sz="1800" spc="-1" strike="noStrike">
+              <a:latin typeface="Arial"/>
+            </a:endParaRPr>
+          </a:p>
+        </p:txBody>
+      </p:sp>
+      <p:sp>
+        <p:nvSpPr>
+          <p:cNvPr id="182" name="Line 6"/>
+          <p:cNvSpPr/>
+          <p:nvPr/>
+        </p:nvSpPr>
+        <p:spPr>
+          <a:xfrm>
+            <a:off x="750600" y="2220840"/>
+            <a:ext cx="0" cy="761760"/>
+          </a:xfrm>
+          <a:prstGeom prst="line">
+            <a:avLst/>
+          </a:prstGeom>
+          <a:ln w="38160">
+            <a:solidFill>
+              <a:schemeClr val="tx1"/>
+            </a:solidFill>
+            <a:miter/>
+          </a:ln>
+        </p:spPr>
+        <p:style>
+          <a:lnRef idx="0"/>
+          <a:fillRef idx="0"/>
+          <a:effectRef idx="0"/>
+          <a:fontRef idx="minor"/>
+        </p:style>
+      </p:sp>
+      <p:sp>
+        <p:nvSpPr>
+          <p:cNvPr id="183" name="Line 7"/>
+          <p:cNvSpPr/>
+          <p:nvPr/>
+        </p:nvSpPr>
+        <p:spPr>
+          <a:xfrm>
+            <a:off x="512640" y="2752560"/>
+            <a:ext cx="8207280" cy="0"/>
+          </a:xfrm>
+          <a:prstGeom prst="line">
+            <a:avLst/>
+          </a:prstGeom>
+          <a:ln w="38160">
+            <a:solidFill>
+              <a:schemeClr val="tx1"/>
+            </a:solidFill>
+            <a:miter/>
+          </a:ln>
+        </p:spPr>
+        <p:style>
+          <a:lnRef idx="0"/>
+          <a:fillRef idx="0"/>
+          <a:effectRef idx="0"/>
+          <a:fontRef idx="minor"/>
+        </p:style>
+      </p:sp>
+      <p:pic>
+        <p:nvPicPr>
+          <p:cNvPr id="184" name="Picture 15" descr=""/>
+          <p:cNvPicPr/>
+          <p:nvPr/>
+        </p:nvPicPr>
+        <p:blipFill>
+          <a:blip r:embed="rId3"/>
+          <a:stretch/>
+        </p:blipFill>
+        <p:spPr>
+          <a:xfrm>
+            <a:off x="2338560" y="5967360"/>
+            <a:ext cx="657000" cy="713880"/>
+          </a:xfrm>
+          <a:prstGeom prst="rect">
+            <a:avLst/>
+          </a:prstGeom>
+          <a:ln w="9360">
+            <a:noFill/>
+          </a:ln>
+        </p:spPr>
+      </p:pic>
+      <p:sp>
+        <p:nvSpPr>
+          <p:cNvPr id="185" name="PlaceHolder 8"/>
           <p:cNvSpPr>
             <a:spLocks noGrp="1"/>
           </p:cNvSpPr>
@@ -9444,34 +9391,45 @@
         </p:nvSpPr>
         <p:spPr>
           <a:xfrm>
-            <a:off x="457200" y="273600"/>
-            <a:ext cx="8229240" cy="1144800"/>
-          </a:xfrm>
-          <a:prstGeom prst="rect">
-            <a:avLst/>
-          </a:prstGeom>
-        </p:spPr>
-        <p:txBody>
-          <a:bodyPr lIns="0" rIns="0" tIns="0" bIns="0" anchor="ctr">
+            <a:off x="990720" y="1400040"/>
+            <a:ext cx="7772040" cy="1142640"/>
+          </a:xfrm>
+          <a:prstGeom prst="rect">
+            <a:avLst/>
+          </a:prstGeom>
+        </p:spPr>
+        <p:txBody>
+          <a:bodyPr anchor="b">
             <a:noAutofit/>
           </a:bodyPr>
           <a:p>
-            <a:pPr algn="ctr"/>
-            <a:r>
-              <a:rPr b="0" lang="en-US" sz="4400" spc="-1" strike="noStrike">
-                <a:latin typeface="Arial"/>
-              </a:rPr>
-              <a:t>Click to edit the title text format</a:t>
-            </a:r>
-            <a:endParaRPr b="0" lang="en-US" sz="4400" spc="-1" strike="noStrike">
-              <a:latin typeface="Arial"/>
-            </a:endParaRPr>
-          </a:p>
-        </p:txBody>
-      </p:sp>
-      <p:sp>
-        <p:nvSpPr>
-          <p:cNvPr id="186" name="PlaceHolder 6"/>
+            <a:pPr>
+              <a:lnSpc>
+                <a:spcPct val="100000"/>
+              </a:lnSpc>
+            </a:pPr>
+            <a:r>
+              <a:rPr b="0" lang="en-GB" sz="3200" spc="-1" strike="noStrike">
+                <a:solidFill>
+                  <a:srgbClr val="660066"/>
+                </a:solidFill>
+                <a:latin typeface="Arial"/>
+                <a:ea typeface="ＭＳ Ｐゴシック"/>
+              </a:rPr>
+              <a:t>Click to edit Master title style</a:t>
+            </a:r>
+            <a:endParaRPr b="0" lang="en-GB" sz="3200" spc="-1" strike="noStrike">
+              <a:solidFill>
+                <a:srgbClr val="ffffff"/>
+              </a:solidFill>
+              <a:latin typeface="Arial"/>
+            </a:endParaRPr>
+          </a:p>
+        </p:txBody>
+      </p:sp>
+      <p:sp>
+        <p:nvSpPr>
+          <p:cNvPr id="186" name="PlaceHolder 9"/>
           <p:cNvSpPr>
             <a:spLocks noGrp="1"/>
           </p:cNvSpPr>
@@ -9505,12 +9463,18 @@
               <a:buChar char=""/>
             </a:pPr>
             <a:r>
-              <a:rPr b="0" lang="en-US" sz="3200" spc="-1" strike="noStrike">
+              <a:rPr b="0" lang="en-GB" sz="2400" spc="-1" strike="noStrike">
+                <a:solidFill>
+                  <a:srgbClr val="40458c"/>
+                </a:solidFill>
                 <a:latin typeface="Arial"/>
               </a:rPr>
               <a:t>Click to edit the outline text format</a:t>
             </a:r>
-            <a:endParaRPr b="0" lang="en-US" sz="3200" spc="-1" strike="noStrike">
+            <a:endParaRPr b="0" lang="en-GB" sz="2400" spc="-1" strike="noStrike">
+              <a:solidFill>
+                <a:srgbClr val="40458c"/>
+              </a:solidFill>
               <a:latin typeface="Arial"/>
             </a:endParaRPr>
           </a:p>
@@ -9527,12 +9491,18 @@
               <a:buChar char=""/>
             </a:pPr>
             <a:r>
-              <a:rPr b="0" lang="en-US" sz="2800" spc="-1" strike="noStrike">
+              <a:rPr b="0" lang="en-GB" sz="1800" spc="-1" strike="noStrike">
+                <a:solidFill>
+                  <a:srgbClr val="40458c"/>
+                </a:solidFill>
                 <a:latin typeface="Arial"/>
               </a:rPr>
               <a:t>Second Outline Level</a:t>
             </a:r>
-            <a:endParaRPr b="0" lang="en-US" sz="2800" spc="-1" strike="noStrike">
+            <a:endParaRPr b="0" lang="en-GB" sz="1800" spc="-1" strike="noStrike">
+              <a:solidFill>
+                <a:srgbClr val="40458c"/>
+              </a:solidFill>
               <a:latin typeface="Arial"/>
             </a:endParaRPr>
           </a:p>
@@ -9549,12 +9519,18 @@
               <a:buChar char=""/>
             </a:pPr>
             <a:r>
-              <a:rPr b="0" lang="en-US" sz="2400" spc="-1" strike="noStrike">
+              <a:rPr b="0" lang="en-GB" sz="1600" spc="-1" strike="noStrike">
+                <a:solidFill>
+                  <a:srgbClr val="40458c"/>
+                </a:solidFill>
                 <a:latin typeface="Arial"/>
               </a:rPr>
               <a:t>Third Outline Level</a:t>
             </a:r>
-            <a:endParaRPr b="0" lang="en-US" sz="2400" spc="-1" strike="noStrike">
+            <a:endParaRPr b="0" lang="en-GB" sz="1600" spc="-1" strike="noStrike">
+              <a:solidFill>
+                <a:srgbClr val="40458c"/>
+              </a:solidFill>
               <a:latin typeface="Arial"/>
             </a:endParaRPr>
           </a:p>
@@ -9571,12 +9547,18 @@
               <a:buChar char=""/>
             </a:pPr>
             <a:r>
-              <a:rPr b="0" lang="en-US" sz="2000" spc="-1" strike="noStrike">
+              <a:rPr b="0" lang="en-GB" sz="1600" spc="-1" strike="noStrike">
+                <a:solidFill>
+                  <a:srgbClr val="40458c"/>
+                </a:solidFill>
                 <a:latin typeface="Arial"/>
               </a:rPr>
               <a:t>Fourth Outline Level</a:t>
             </a:r>
-            <a:endParaRPr b="0" lang="en-US" sz="2000" spc="-1" strike="noStrike">
+            <a:endParaRPr b="0" lang="en-GB" sz="1600" spc="-1" strike="noStrike">
+              <a:solidFill>
+                <a:srgbClr val="40458c"/>
+              </a:solidFill>
               <a:latin typeface="Arial"/>
             </a:endParaRPr>
           </a:p>
@@ -9593,12 +9575,18 @@
               <a:buChar char=""/>
             </a:pPr>
             <a:r>
-              <a:rPr b="0" lang="en-US" sz="2000" spc="-1" strike="noStrike">
+              <a:rPr b="0" lang="en-GB" sz="2000" spc="-1" strike="noStrike">
+                <a:solidFill>
+                  <a:srgbClr val="40458c"/>
+                </a:solidFill>
                 <a:latin typeface="Arial"/>
               </a:rPr>
               <a:t>Fifth Outline Level</a:t>
             </a:r>
-            <a:endParaRPr b="0" lang="en-US" sz="2000" spc="-1" strike="noStrike">
+            <a:endParaRPr b="0" lang="en-GB" sz="2000" spc="-1" strike="noStrike">
+              <a:solidFill>
+                <a:srgbClr val="40458c"/>
+              </a:solidFill>
               <a:latin typeface="Arial"/>
             </a:endParaRPr>
           </a:p>
@@ -9615,12 +9603,18 @@
               <a:buChar char=""/>
             </a:pPr>
             <a:r>
-              <a:rPr b="0" lang="en-US" sz="2000" spc="-1" strike="noStrike">
+              <a:rPr b="0" lang="en-GB" sz="2000" spc="-1" strike="noStrike">
+                <a:solidFill>
+                  <a:srgbClr val="40458c"/>
+                </a:solidFill>
                 <a:latin typeface="Arial"/>
               </a:rPr>
               <a:t>Sixth Outline Level</a:t>
             </a:r>
-            <a:endParaRPr b="0" lang="en-US" sz="2000" spc="-1" strike="noStrike">
+            <a:endParaRPr b="0" lang="en-GB" sz="2000" spc="-1" strike="noStrike">
+              <a:solidFill>
+                <a:srgbClr val="40458c"/>
+              </a:solidFill>
               <a:latin typeface="Arial"/>
             </a:endParaRPr>
           </a:p>
@@ -9637,12 +9631,18 @@
               <a:buChar char=""/>
             </a:pPr>
             <a:r>
-              <a:rPr b="0" lang="en-US" sz="2000" spc="-1" strike="noStrike">
+              <a:rPr b="0" lang="en-GB" sz="2000" spc="-1" strike="noStrike">
+                <a:solidFill>
+                  <a:srgbClr val="40458c"/>
+                </a:solidFill>
                 <a:latin typeface="Arial"/>
               </a:rPr>
               <a:t>Seventh Outline Level</a:t>
             </a:r>
-            <a:endParaRPr b="0" lang="en-US" sz="2000" spc="-1" strike="noStrike">
+            <a:endParaRPr b="0" lang="en-GB" sz="2000" spc="-1" strike="noStrike">
+              <a:solidFill>
+                <a:srgbClr val="40458c"/>
+              </a:solidFill>
               <a:latin typeface="Arial"/>
             </a:endParaRPr>
           </a:p>
@@ -9652,18 +9652,18 @@
   </p:cSld>
   <p:clrMap bg1="lt1" bg2="lt2" tx1="dk1" tx2="dk2" accent1="accent1" accent2="accent2" accent3="accent3" accent4="accent4" accent5="accent5" accent6="accent6" hlink="hlink" folHlink="folHlink"/>
   <p:sldLayoutIdLst>
-    <p:sldLayoutId id="2147483701" r:id="rId3"/>
-    <p:sldLayoutId id="2147483702" r:id="rId4"/>
-    <p:sldLayoutId id="2147483703" r:id="rId5"/>
-    <p:sldLayoutId id="2147483704" r:id="rId6"/>
-    <p:sldLayoutId id="2147483705" r:id="rId7"/>
-    <p:sldLayoutId id="2147483706" r:id="rId8"/>
-    <p:sldLayoutId id="2147483707" r:id="rId9"/>
-    <p:sldLayoutId id="2147483708" r:id="rId10"/>
-    <p:sldLayoutId id="2147483709" r:id="rId11"/>
-    <p:sldLayoutId id="2147483710" r:id="rId12"/>
-    <p:sldLayoutId id="2147483711" r:id="rId13"/>
-    <p:sldLayoutId id="2147483712" r:id="rId14"/>
+    <p:sldLayoutId id="2147483701" r:id="rId4"/>
+    <p:sldLayoutId id="2147483702" r:id="rId5"/>
+    <p:sldLayoutId id="2147483703" r:id="rId6"/>
+    <p:sldLayoutId id="2147483704" r:id="rId7"/>
+    <p:sldLayoutId id="2147483705" r:id="rId8"/>
+    <p:sldLayoutId id="2147483706" r:id="rId9"/>
+    <p:sldLayoutId id="2147483707" r:id="rId10"/>
+    <p:sldLayoutId id="2147483708" r:id="rId11"/>
+    <p:sldLayoutId id="2147483709" r:id="rId12"/>
+    <p:sldLayoutId id="2147483710" r:id="rId13"/>
+    <p:sldLayoutId id="2147483711" r:id="rId14"/>
+    <p:sldLayoutId id="2147483712" r:id="rId15"/>
   </p:sldLayoutIdLst>
 </p:sldMaster>
 </file>
@@ -9694,7 +9694,7 @@
         <p:spPr>
           <a:xfrm>
             <a:off x="990720" y="908640"/>
-            <a:ext cx="7770960" cy="1632960"/>
+            <a:ext cx="7770240" cy="1632240"/>
           </a:xfrm>
           <a:prstGeom prst="rect">
             <a:avLst/>
@@ -9745,7 +9745,7 @@
         <p:spPr>
           <a:xfrm>
             <a:off x="1259640" y="2933640"/>
-            <a:ext cx="6474960" cy="2726280"/>
+            <a:ext cx="6474240" cy="2725560"/>
           </a:xfrm>
           <a:prstGeom prst="rect">
             <a:avLst/>
@@ -9822,7 +9822,7 @@
         <p:spPr>
           <a:xfrm>
             <a:off x="2166480" y="6098760"/>
-            <a:ext cx="183240" cy="438840"/>
+            <a:ext cx="182520" cy="438120"/>
           </a:xfrm>
           <a:prstGeom prst="rect">
             <a:avLst/>
@@ -9878,7 +9878,7 @@
         <p:spPr>
           <a:xfrm>
             <a:off x="412920" y="150840"/>
-            <a:ext cx="8529840" cy="570240"/>
+            <a:ext cx="8529120" cy="569520"/>
           </a:xfrm>
           <a:prstGeom prst="rect">
             <a:avLst/>
@@ -9929,7 +9929,7 @@
         <p:spPr>
           <a:xfrm>
             <a:off x="423720" y="914400"/>
-            <a:ext cx="8487000" cy="5189760"/>
+            <a:ext cx="8486280" cy="5189040"/>
           </a:xfrm>
           <a:prstGeom prst="rect">
             <a:avLst/>
@@ -9950,7 +9950,7 @@
             <a:noAutofit/>
           </a:bodyPr>
           <a:p>
-            <a:pPr marL="285840" indent="-284400">
+            <a:pPr marL="285840" indent="-283680">
               <a:lnSpc>
                 <a:spcPct val="100000"/>
               </a:lnSpc>
@@ -9978,7 +9978,7 @@
             </a:endParaRPr>
           </a:p>
           <a:p>
-            <a:pPr marL="285840" indent="-284400">
+            <a:pPr marL="285840" indent="-283680">
               <a:lnSpc>
                 <a:spcPct val="100000"/>
               </a:lnSpc>
@@ -10006,7 +10006,7 @@
             </a:endParaRPr>
           </a:p>
           <a:p>
-            <a:pPr lvl="1" marL="864000" indent="-322920">
+            <a:pPr lvl="1" marL="864000" indent="-322200">
               <a:lnSpc>
                 <a:spcPct val="100000"/>
               </a:lnSpc>
@@ -10035,7 +10035,7 @@
             </a:endParaRPr>
           </a:p>
           <a:p>
-            <a:pPr lvl="1" marL="864000" indent="-322920">
+            <a:pPr lvl="1" marL="864000" indent="-322200">
               <a:lnSpc>
                 <a:spcPct val="100000"/>
               </a:lnSpc>
@@ -10064,7 +10064,7 @@
             </a:endParaRPr>
           </a:p>
           <a:p>
-            <a:pPr marL="285840" indent="-284400">
+            <a:pPr marL="285840" indent="-283680">
               <a:lnSpc>
                 <a:spcPct val="100000"/>
               </a:lnSpc>
@@ -10092,7 +10092,7 @@
             </a:endParaRPr>
           </a:p>
           <a:p>
-            <a:pPr lvl="1" marL="864000" indent="-322920">
+            <a:pPr lvl="1" marL="864000" indent="-322200">
               <a:lnSpc>
                 <a:spcPct val="100000"/>
               </a:lnSpc>
@@ -10131,7 +10131,7 @@
             </a:endParaRPr>
           </a:p>
           <a:p>
-            <a:pPr marL="285840" indent="-284400">
+            <a:pPr marL="285840" indent="-283680">
               <a:lnSpc>
                 <a:spcPct val="100000"/>
               </a:lnSpc>
@@ -10159,7 +10159,7 @@
             </a:endParaRPr>
           </a:p>
           <a:p>
-            <a:pPr lvl="1" marL="864000" indent="-322920">
+            <a:pPr lvl="1" marL="864000" indent="-322200">
               <a:lnSpc>
                 <a:spcPct val="100000"/>
               </a:lnSpc>
@@ -10188,83 +10188,59 @@
             </a:endParaRPr>
           </a:p>
           <a:p>
-            <a:pPr lvl="1" marL="864000" indent="-322920">
+            <a:pPr>
               <a:lnSpc>
                 <a:spcPct val="100000"/>
               </a:lnSpc>
               <a:spcBef>
                 <a:spcPts val="479"/>
               </a:spcBef>
-              <a:buClr>
-                <a:srgbClr val="000000"/>
-              </a:buClr>
-              <a:buSzPct val="75000"/>
-              <a:buFont typeface="Symbol"/>
-              <a:buChar char=""/>
             </a:pPr>
             <a:endParaRPr b="0" lang="en-US" sz="1800" spc="-1" strike="noStrike">
               <a:latin typeface="Arial"/>
             </a:endParaRPr>
           </a:p>
           <a:p>
-            <a:pPr lvl="1" marL="864000" indent="-322920">
+            <a:pPr>
               <a:lnSpc>
                 <a:spcPct val="100000"/>
               </a:lnSpc>
               <a:spcBef>
                 <a:spcPts val="479"/>
               </a:spcBef>
-              <a:buClr>
-                <a:srgbClr val="000000"/>
-              </a:buClr>
-              <a:buSzPct val="75000"/>
-              <a:buFont typeface="Symbol"/>
-              <a:buChar char=""/>
             </a:pPr>
             <a:endParaRPr b="0" lang="en-US" sz="1800" spc="-1" strike="noStrike">
               <a:latin typeface="Arial"/>
             </a:endParaRPr>
           </a:p>
           <a:p>
-            <a:pPr lvl="1" marL="864000" indent="-322920">
+            <a:pPr>
               <a:lnSpc>
                 <a:spcPct val="100000"/>
               </a:lnSpc>
               <a:spcBef>
                 <a:spcPts val="479"/>
               </a:spcBef>
-              <a:buClr>
-                <a:srgbClr val="000000"/>
-              </a:buClr>
-              <a:buSzPct val="75000"/>
-              <a:buFont typeface="Symbol"/>
-              <a:buChar char=""/>
             </a:pPr>
             <a:endParaRPr b="0" lang="en-US" sz="1800" spc="-1" strike="noStrike">
               <a:latin typeface="Arial"/>
             </a:endParaRPr>
           </a:p>
           <a:p>
-            <a:pPr lvl="9" marL="2160000" indent="-216000">
+            <a:pPr>
               <a:lnSpc>
                 <a:spcPct val="100000"/>
               </a:lnSpc>
               <a:spcBef>
                 <a:spcPts val="479"/>
               </a:spcBef>
-              <a:buClr>
-                <a:srgbClr val="000000"/>
-              </a:buClr>
-              <a:buSzPct val="45000"/>
-              <a:buFont typeface="Wingdings" charset="2"/>
-              <a:buChar char=""/>
             </a:pPr>
             <a:endParaRPr b="0" lang="en-US" sz="1800" spc="-1" strike="noStrike">
               <a:latin typeface="Arial"/>
             </a:endParaRPr>
           </a:p>
           <a:p>
-            <a:pPr lvl="9" marL="2160000" indent="-216000">
+            <a:pPr marL="2160000" indent="-215280">
               <a:lnSpc>
                 <a:spcPct val="100000"/>
               </a:lnSpc>
@@ -10327,7 +10303,7 @@
         <p:spPr>
           <a:xfrm>
             <a:off x="4795200" y="4256280"/>
-            <a:ext cx="4032720" cy="1492200"/>
+            <a:ext cx="4032000" cy="1491480"/>
           </a:xfrm>
           <a:prstGeom prst="rect">
             <a:avLst/>
@@ -10376,7 +10352,7 @@
         <p:spPr>
           <a:xfrm>
             <a:off x="412920" y="150840"/>
-            <a:ext cx="8529840" cy="570240"/>
+            <a:ext cx="8529120" cy="569520"/>
           </a:xfrm>
           <a:prstGeom prst="rect">
             <a:avLst/>
@@ -10427,7 +10403,7 @@
         <p:spPr>
           <a:xfrm>
             <a:off x="423720" y="914400"/>
-            <a:ext cx="8487000" cy="5189760"/>
+            <a:ext cx="8486280" cy="5189040"/>
           </a:xfrm>
           <a:prstGeom prst="rect">
             <a:avLst/>
@@ -10448,7 +10424,7 @@
             <a:noAutofit/>
           </a:bodyPr>
           <a:p>
-            <a:pPr marL="285840" indent="-284400">
+            <a:pPr marL="285840" indent="-283680">
               <a:lnSpc>
                 <a:spcPct val="100000"/>
               </a:lnSpc>
@@ -10476,7 +10452,7 @@
             </a:endParaRPr>
           </a:p>
           <a:p>
-            <a:pPr lvl="1" marL="864000" indent="-322920">
+            <a:pPr lvl="1" marL="864000" indent="-322200">
               <a:lnSpc>
                 <a:spcPct val="100000"/>
               </a:lnSpc>
@@ -10505,7 +10481,7 @@
             </a:endParaRPr>
           </a:p>
           <a:p>
-            <a:pPr lvl="1" marL="864000" indent="-322920">
+            <a:pPr lvl="1" marL="864000" indent="-322200">
               <a:lnSpc>
                 <a:spcPct val="100000"/>
               </a:lnSpc>
@@ -10534,7 +10510,7 @@
             </a:endParaRPr>
           </a:p>
           <a:p>
-            <a:pPr lvl="1" marL="864000" indent="-322920">
+            <a:pPr lvl="1" marL="864000" indent="-322200">
               <a:lnSpc>
                 <a:spcPct val="100000"/>
               </a:lnSpc>
@@ -10563,7 +10539,7 @@
             </a:endParaRPr>
           </a:p>
           <a:p>
-            <a:pPr marL="285840" indent="-284400">
+            <a:pPr marL="285840" indent="-283680">
               <a:lnSpc>
                 <a:spcPct val="100000"/>
               </a:lnSpc>
@@ -10591,7 +10567,7 @@
             </a:endParaRPr>
           </a:p>
           <a:p>
-            <a:pPr lvl="1" marL="864000" indent="-322920">
+            <a:pPr lvl="1" marL="864000" indent="-322200">
               <a:lnSpc>
                 <a:spcPct val="100000"/>
               </a:lnSpc>
@@ -10620,7 +10596,7 @@
             </a:endParaRPr>
           </a:p>
           <a:p>
-            <a:pPr lvl="1" marL="864000" indent="-322920">
+            <a:pPr lvl="1" marL="864000" indent="-322200">
               <a:lnSpc>
                 <a:spcPct val="100000"/>
               </a:lnSpc>
@@ -10649,7 +10625,7 @@
             </a:endParaRPr>
           </a:p>
           <a:p>
-            <a:pPr lvl="1" marL="864000" indent="-322920">
+            <a:pPr lvl="1" marL="864000" indent="-322200">
               <a:lnSpc>
                 <a:spcPct val="100000"/>
               </a:lnSpc>
@@ -10678,7 +10654,7 @@
             </a:endParaRPr>
           </a:p>
           <a:p>
-            <a:pPr marL="285840" indent="-284400">
+            <a:pPr marL="285840" indent="-283680">
               <a:lnSpc>
                 <a:spcPct val="100000"/>
               </a:lnSpc>
@@ -10706,7 +10682,7 @@
             </a:endParaRPr>
           </a:p>
           <a:p>
-            <a:pPr lvl="1" marL="864000" indent="-322920">
+            <a:pPr lvl="1" marL="864000" indent="-322200">
               <a:lnSpc>
                 <a:spcPct val="100000"/>
               </a:lnSpc>
@@ -10775,7 +10751,7 @@
         <p:spPr>
           <a:xfrm>
             <a:off x="412920" y="150840"/>
-            <a:ext cx="8529840" cy="570240"/>
+            <a:ext cx="8529120" cy="569520"/>
           </a:xfrm>
           <a:prstGeom prst="rect">
             <a:avLst/>
@@ -10826,7 +10802,7 @@
         <p:spPr>
           <a:xfrm>
             <a:off x="423720" y="914400"/>
-            <a:ext cx="8487000" cy="5189760"/>
+            <a:ext cx="8486280" cy="5189040"/>
           </a:xfrm>
           <a:prstGeom prst="rect">
             <a:avLst/>
@@ -10847,7 +10823,7 @@
             <a:noAutofit/>
           </a:bodyPr>
           <a:p>
-            <a:pPr marL="285840" indent="-284400">
+            <a:pPr marL="285840" indent="-283680">
               <a:lnSpc>
                 <a:spcPct val="100000"/>
               </a:lnSpc>
@@ -10875,7 +10851,7 @@
             </a:endParaRPr>
           </a:p>
           <a:p>
-            <a:pPr lvl="1" marL="864000" indent="-322920">
+            <a:pPr lvl="1" marL="864000" indent="-322200">
               <a:lnSpc>
                 <a:spcPct val="100000"/>
               </a:lnSpc>
@@ -10904,7 +10880,7 @@
             </a:endParaRPr>
           </a:p>
           <a:p>
-            <a:pPr lvl="1" marL="864000" indent="-322920">
+            <a:pPr lvl="1" marL="864000" indent="-322200">
               <a:lnSpc>
                 <a:spcPct val="100000"/>
               </a:lnSpc>
@@ -10933,7 +10909,7 @@
             </a:endParaRPr>
           </a:p>
           <a:p>
-            <a:pPr lvl="1" marL="864000" indent="-322920">
+            <a:pPr lvl="1" marL="864000" indent="-322200">
               <a:lnSpc>
                 <a:spcPct val="100000"/>
               </a:lnSpc>
@@ -10962,7 +10938,7 @@
             </a:endParaRPr>
           </a:p>
           <a:p>
-            <a:pPr lvl="2" marL="1296000" indent="-286920">
+            <a:pPr lvl="2" marL="1296000" indent="-286200">
               <a:lnSpc>
                 <a:spcPct val="100000"/>
               </a:lnSpc>
@@ -10991,7 +10967,7 @@
             </a:endParaRPr>
           </a:p>
           <a:p>
-            <a:pPr marL="285840" indent="-284400">
+            <a:pPr marL="285840" indent="-283680">
               <a:lnSpc>
                 <a:spcPct val="100000"/>
               </a:lnSpc>
@@ -11019,7 +10995,7 @@
             </a:endParaRPr>
           </a:p>
           <a:p>
-            <a:pPr lvl="1" marL="864000" indent="-322920">
+            <a:pPr lvl="1" marL="864000" indent="-322200">
               <a:lnSpc>
                 <a:spcPct val="100000"/>
               </a:lnSpc>
@@ -11048,7 +11024,7 @@
             </a:endParaRPr>
           </a:p>
           <a:p>
-            <a:pPr lvl="1" marL="864000" indent="-322920">
+            <a:pPr lvl="1" marL="864000" indent="-322200">
               <a:lnSpc>
                 <a:spcPct val="100000"/>
               </a:lnSpc>
@@ -11117,7 +11093,7 @@
         <p:spPr>
           <a:xfrm>
             <a:off x="412920" y="150840"/>
-            <a:ext cx="8529840" cy="570240"/>
+            <a:ext cx="8529120" cy="569520"/>
           </a:xfrm>
           <a:prstGeom prst="rect">
             <a:avLst/>
@@ -11168,7 +11144,7 @@
         <p:spPr>
           <a:xfrm>
             <a:off x="27720" y="914400"/>
-            <a:ext cx="8487000" cy="5189760"/>
+            <a:ext cx="8486280" cy="5189040"/>
           </a:xfrm>
           <a:prstGeom prst="rect">
             <a:avLst/>
@@ -11189,7 +11165,7 @@
             <a:noAutofit/>
           </a:bodyPr>
           <a:p>
-            <a:pPr marL="285840" indent="-284400">
+            <a:pPr marL="285840" indent="-283680">
               <a:lnSpc>
                 <a:spcPct val="100000"/>
               </a:lnSpc>
@@ -11229,7 +11205,7 @@
             </a:endParaRPr>
           </a:p>
           <a:p>
-            <a:pPr marL="285840" indent="-284400">
+            <a:pPr marL="285840" indent="-283680">
               <a:lnSpc>
                 <a:spcPct val="100000"/>
               </a:lnSpc>
@@ -11269,7 +11245,7 @@
             </a:endParaRPr>
           </a:p>
           <a:p>
-            <a:pPr marL="285840" indent="-284400">
+            <a:pPr marL="285840" indent="-283680">
               <a:lnSpc>
                 <a:spcPct val="100000"/>
               </a:lnSpc>
@@ -11309,7 +11285,7 @@
             </a:endParaRPr>
           </a:p>
           <a:p>
-            <a:pPr marL="285840" indent="-284400">
+            <a:pPr marL="285840" indent="-283680">
               <a:lnSpc>
                 <a:spcPct val="100000"/>
               </a:lnSpc>
@@ -11377,7 +11353,7 @@
         <p:spPr>
           <a:xfrm>
             <a:off x="412920" y="150840"/>
-            <a:ext cx="8529840" cy="570240"/>
+            <a:ext cx="8529120" cy="569520"/>
           </a:xfrm>
           <a:prstGeom prst="rect">
             <a:avLst/>
@@ -11428,7 +11404,7 @@
         <p:spPr>
           <a:xfrm>
             <a:off x="27720" y="914400"/>
-            <a:ext cx="8487000" cy="5189760"/>
+            <a:ext cx="8486280" cy="5189040"/>
           </a:xfrm>
           <a:prstGeom prst="rect">
             <a:avLst/>
@@ -11449,7 +11425,7 @@
             <a:noAutofit/>
           </a:bodyPr>
           <a:p>
-            <a:pPr marL="285840" indent="-284400">
+            <a:pPr marL="285840" indent="-283680">
               <a:lnSpc>
                 <a:spcPct val="100000"/>
               </a:lnSpc>
@@ -11489,7 +11465,7 @@
             </a:endParaRPr>
           </a:p>
           <a:p>
-            <a:pPr marL="285840" indent="-284400">
+            <a:pPr marL="285840" indent="-283680">
               <a:lnSpc>
                 <a:spcPct val="100000"/>
               </a:lnSpc>
@@ -11529,7 +11505,7 @@
             </a:endParaRPr>
           </a:p>
           <a:p>
-            <a:pPr marL="285840" indent="-284400">
+            <a:pPr marL="285840" indent="-283680">
               <a:lnSpc>
                 <a:spcPct val="100000"/>
               </a:lnSpc>
@@ -11557,7 +11533,7 @@
             </a:endParaRPr>
           </a:p>
           <a:p>
-            <a:pPr marL="285840" indent="-284400">
+            <a:pPr marL="285840" indent="-283680">
               <a:lnSpc>
                 <a:spcPct val="100000"/>
               </a:lnSpc>
@@ -11597,7 +11573,7 @@
             </a:endParaRPr>
           </a:p>
           <a:p>
-            <a:pPr marL="285840" indent="-284400">
+            <a:pPr marL="285840" indent="-283680">
               <a:lnSpc>
                 <a:spcPct val="100000"/>
               </a:lnSpc>
@@ -11637,7 +11613,7 @@
             </a:endParaRPr>
           </a:p>
           <a:p>
-            <a:pPr marL="285840" indent="-284400">
+            <a:pPr marL="285840" indent="-283680">
               <a:lnSpc>
                 <a:spcPct val="100000"/>
               </a:lnSpc>
@@ -11678,7 +11654,7 @@
             </a:endParaRPr>
           </a:p>
           <a:p>
-            <a:pPr marL="285840" indent="-284400">
+            <a:pPr marL="285840" indent="-283680">
               <a:lnSpc>
                 <a:spcPct val="100000"/>
               </a:lnSpc>
@@ -11746,7 +11722,7 @@
         <p:spPr>
           <a:xfrm>
             <a:off x="412920" y="150840"/>
-            <a:ext cx="8529840" cy="570240"/>
+            <a:ext cx="8529120" cy="569520"/>
           </a:xfrm>
           <a:prstGeom prst="rect">
             <a:avLst/>
@@ -11797,7 +11773,7 @@
         <p:spPr>
           <a:xfrm>
             <a:off x="423720" y="914400"/>
-            <a:ext cx="8487000" cy="5189760"/>
+            <a:ext cx="8486280" cy="5189040"/>
           </a:xfrm>
           <a:prstGeom prst="rect">
             <a:avLst/>
@@ -11818,7 +11794,7 @@
             <a:noAutofit/>
           </a:bodyPr>
           <a:p>
-            <a:pPr marL="285840" indent="-284400">
+            <a:pPr marL="285840" indent="-283680">
               <a:lnSpc>
                 <a:spcPct val="100000"/>
               </a:lnSpc>
@@ -11846,7 +11822,7 @@
             </a:endParaRPr>
           </a:p>
           <a:p>
-            <a:pPr marL="285840" indent="-284400">
+            <a:pPr marL="285840" indent="-283680">
               <a:lnSpc>
                 <a:spcPct val="100000"/>
               </a:lnSpc>
@@ -11874,7 +11850,7 @@
             </a:endParaRPr>
           </a:p>
           <a:p>
-            <a:pPr marL="285840" indent="-284400">
+            <a:pPr marL="285840" indent="-283680">
               <a:lnSpc>
                 <a:spcPct val="100000"/>
               </a:lnSpc>
@@ -11902,7 +11878,7 @@
             </a:endParaRPr>
           </a:p>
           <a:p>
-            <a:pPr marL="285840" indent="-284400">
+            <a:pPr marL="285840" indent="-283680">
               <a:lnSpc>
                 <a:spcPct val="100000"/>
               </a:lnSpc>
@@ -11930,7 +11906,7 @@
             </a:endParaRPr>
           </a:p>
           <a:p>
-            <a:pPr lvl="1" marL="864000" indent="-322920">
+            <a:pPr lvl="1" marL="864000" indent="-322200">
               <a:lnSpc>
                 <a:spcPct val="100000"/>
               </a:lnSpc>
@@ -11959,7 +11935,7 @@
             </a:endParaRPr>
           </a:p>
           <a:p>
-            <a:pPr lvl="1" marL="864000" indent="-322920">
+            <a:pPr lvl="1" marL="864000" indent="-322200">
               <a:lnSpc>
                 <a:spcPct val="100000"/>
               </a:lnSpc>
@@ -12028,7 +12004,7 @@
         <p:spPr>
           <a:xfrm>
             <a:off x="412920" y="150840"/>
-            <a:ext cx="8529840" cy="570240"/>
+            <a:ext cx="8529120" cy="569520"/>
           </a:xfrm>
           <a:prstGeom prst="rect">
             <a:avLst/>
@@ -12079,7 +12055,7 @@
         <p:spPr>
           <a:xfrm>
             <a:off x="423720" y="914400"/>
-            <a:ext cx="8487000" cy="5189760"/>
+            <a:ext cx="8486280" cy="5189040"/>
           </a:xfrm>
           <a:prstGeom prst="rect">
             <a:avLst/>
@@ -12100,7 +12076,7 @@
             <a:noAutofit/>
           </a:bodyPr>
           <a:p>
-            <a:pPr marL="285840" indent="-284400">
+            <a:pPr marL="285840" indent="-283680">
               <a:lnSpc>
                 <a:spcPct val="100000"/>
               </a:lnSpc>
@@ -12128,7 +12104,7 @@
             </a:endParaRPr>
           </a:p>
           <a:p>
-            <a:pPr marL="285840" indent="-284400">
+            <a:pPr marL="285840" indent="-283680">
               <a:lnSpc>
                 <a:spcPct val="100000"/>
               </a:lnSpc>
@@ -12156,7 +12132,7 @@
             </a:endParaRPr>
           </a:p>
           <a:p>
-            <a:pPr lvl="1" marL="864000" indent="-322920">
+            <a:pPr lvl="1" marL="864000" indent="-322200">
               <a:lnSpc>
                 <a:spcPct val="100000"/>
               </a:lnSpc>
@@ -12185,7 +12161,7 @@
             </a:endParaRPr>
           </a:p>
           <a:p>
-            <a:pPr lvl="1" marL="864000" indent="-322920">
+            <a:pPr lvl="1" marL="864000" indent="-322200">
               <a:lnSpc>
                 <a:spcPct val="100000"/>
               </a:lnSpc>
@@ -12214,7 +12190,7 @@
             </a:endParaRPr>
           </a:p>
           <a:p>
-            <a:pPr marL="285840" indent="-284400">
+            <a:pPr marL="285840" indent="-283680">
               <a:lnSpc>
                 <a:spcPct val="100000"/>
               </a:lnSpc>
@@ -12242,7 +12218,7 @@
             </a:endParaRPr>
           </a:p>
           <a:p>
-            <a:pPr lvl="1" marL="864000" indent="-322920">
+            <a:pPr lvl="1" marL="864000" indent="-322200">
               <a:lnSpc>
                 <a:spcPct val="100000"/>
               </a:lnSpc>
@@ -12271,7 +12247,7 @@
             </a:endParaRPr>
           </a:p>
           <a:p>
-            <a:pPr lvl="1" marL="864000" indent="-322920">
+            <a:pPr lvl="1" marL="864000" indent="-322200">
               <a:lnSpc>
                 <a:spcPct val="100000"/>
               </a:lnSpc>
@@ -12352,7 +12328,7 @@
             </a:endParaRPr>
           </a:p>
           <a:p>
-            <a:pPr lvl="2" marL="648000" indent="-215280">
+            <a:pPr lvl="2" marL="648000" indent="-214560">
               <a:lnSpc>
                 <a:spcPct val="100000"/>
               </a:lnSpc>
@@ -12405,7 +12381,7 @@
         <p:spPr>
           <a:xfrm>
             <a:off x="1684440" y="4032000"/>
-            <a:ext cx="5701680" cy="1731240"/>
+            <a:ext cx="5700960" cy="1730520"/>
           </a:xfrm>
           <a:prstGeom prst="rect">
             <a:avLst/>
@@ -12454,7 +12430,7 @@
         <p:spPr>
           <a:xfrm>
             <a:off x="412920" y="150840"/>
-            <a:ext cx="8529840" cy="570240"/>
+            <a:ext cx="8529120" cy="569520"/>
           </a:xfrm>
           <a:prstGeom prst="rect">
             <a:avLst/>
@@ -12505,7 +12481,7 @@
         <p:spPr>
           <a:xfrm>
             <a:off x="423720" y="914400"/>
-            <a:ext cx="8487000" cy="5189760"/>
+            <a:ext cx="8486280" cy="5189040"/>
           </a:xfrm>
           <a:prstGeom prst="rect">
             <a:avLst/>
@@ -12526,7 +12502,7 @@
             <a:noAutofit/>
           </a:bodyPr>
           <a:p>
-            <a:pPr marL="285840" indent="-284400">
+            <a:pPr marL="285840" indent="-283680">
               <a:lnSpc>
                 <a:spcPct val="100000"/>
               </a:lnSpc>
@@ -12554,7 +12530,7 @@
             </a:endParaRPr>
           </a:p>
           <a:p>
-            <a:pPr marL="285840" indent="-284400">
+            <a:pPr marL="285840" indent="-283680">
               <a:lnSpc>
                 <a:spcPct val="100000"/>
               </a:lnSpc>
@@ -12582,169 +12558,124 @@
             </a:endParaRPr>
           </a:p>
           <a:p>
-            <a:pPr marL="285840" indent="-284400">
+            <a:pPr>
               <a:lnSpc>
                 <a:spcPct val="100000"/>
               </a:lnSpc>
               <a:spcBef>
                 <a:spcPts val="479"/>
               </a:spcBef>
-              <a:buClr>
-                <a:srgbClr val="40458c"/>
-              </a:buClr>
-              <a:buFont typeface="Symbol"/>
-              <a:buChar char="·"/>
             </a:pPr>
             <a:endParaRPr b="0" lang="en-US" sz="2400" spc="-1" strike="noStrike">
               <a:latin typeface="Arial"/>
             </a:endParaRPr>
           </a:p>
           <a:p>
-            <a:pPr marL="285840" indent="-284400">
+            <a:pPr>
               <a:lnSpc>
                 <a:spcPct val="100000"/>
               </a:lnSpc>
               <a:spcBef>
                 <a:spcPts val="479"/>
               </a:spcBef>
-              <a:buClr>
-                <a:srgbClr val="40458c"/>
-              </a:buClr>
-              <a:buFont typeface="Symbol"/>
-              <a:buChar char="·"/>
             </a:pPr>
             <a:endParaRPr b="0" lang="en-US" sz="2400" spc="-1" strike="noStrike">
               <a:latin typeface="Arial"/>
             </a:endParaRPr>
           </a:p>
           <a:p>
-            <a:pPr marL="285840" indent="-284400">
+            <a:pPr>
               <a:lnSpc>
                 <a:spcPct val="100000"/>
               </a:lnSpc>
               <a:spcBef>
                 <a:spcPts val="479"/>
               </a:spcBef>
-              <a:buClr>
-                <a:srgbClr val="40458c"/>
-              </a:buClr>
-              <a:buFont typeface="Symbol"/>
-              <a:buChar char="·"/>
             </a:pPr>
             <a:endParaRPr b="0" lang="en-US" sz="2400" spc="-1" strike="noStrike">
               <a:latin typeface="Arial"/>
             </a:endParaRPr>
           </a:p>
           <a:p>
-            <a:pPr marL="285840" indent="-284400">
+            <a:pPr>
               <a:lnSpc>
                 <a:spcPct val="100000"/>
               </a:lnSpc>
               <a:spcBef>
                 <a:spcPts val="479"/>
               </a:spcBef>
-              <a:buClr>
-                <a:srgbClr val="40458c"/>
-              </a:buClr>
-              <a:buFont typeface="Symbol"/>
-              <a:buChar char="·"/>
             </a:pPr>
             <a:endParaRPr b="0" lang="en-US" sz="2400" spc="-1" strike="noStrike">
               <a:latin typeface="Arial"/>
             </a:endParaRPr>
           </a:p>
           <a:p>
-            <a:pPr marL="285840" indent="-284400">
+            <a:pPr>
               <a:lnSpc>
                 <a:spcPct val="100000"/>
               </a:lnSpc>
               <a:spcBef>
                 <a:spcPts val="479"/>
               </a:spcBef>
-              <a:buClr>
-                <a:srgbClr val="40458c"/>
-              </a:buClr>
-              <a:buFont typeface="Symbol"/>
-              <a:buChar char="·"/>
             </a:pPr>
             <a:endParaRPr b="0" lang="en-US" sz="2400" spc="-1" strike="noStrike">
               <a:latin typeface="Arial"/>
             </a:endParaRPr>
           </a:p>
           <a:p>
-            <a:pPr marL="285840" indent="-284400">
+            <a:pPr>
               <a:lnSpc>
                 <a:spcPct val="100000"/>
               </a:lnSpc>
               <a:spcBef>
                 <a:spcPts val="479"/>
               </a:spcBef>
-              <a:buClr>
-                <a:srgbClr val="40458c"/>
-              </a:buClr>
-              <a:buFont typeface="Symbol"/>
-              <a:buChar char="·"/>
             </a:pPr>
             <a:endParaRPr b="0" lang="en-US" sz="2400" spc="-1" strike="noStrike">
               <a:latin typeface="Arial"/>
             </a:endParaRPr>
           </a:p>
           <a:p>
-            <a:pPr marL="285840" indent="-284400">
+            <a:pPr>
               <a:lnSpc>
                 <a:spcPct val="100000"/>
               </a:lnSpc>
               <a:spcBef>
                 <a:spcPts val="479"/>
               </a:spcBef>
-              <a:buClr>
-                <a:srgbClr val="40458c"/>
-              </a:buClr>
-              <a:buFont typeface="Symbol"/>
-              <a:buChar char="·"/>
             </a:pPr>
             <a:endParaRPr b="0" lang="en-US" sz="2400" spc="-1" strike="noStrike">
               <a:latin typeface="Arial"/>
             </a:endParaRPr>
           </a:p>
           <a:p>
-            <a:pPr marL="285840" indent="-284400">
+            <a:pPr>
               <a:lnSpc>
                 <a:spcPct val="100000"/>
               </a:lnSpc>
               <a:spcBef>
                 <a:spcPts val="479"/>
               </a:spcBef>
-              <a:buClr>
-                <a:srgbClr val="40458c"/>
-              </a:buClr>
-              <a:buFont typeface="Symbol"/>
-              <a:buChar char="·"/>
             </a:pPr>
             <a:endParaRPr b="0" lang="en-US" sz="2400" spc="-1" strike="noStrike">
               <a:latin typeface="Arial"/>
             </a:endParaRPr>
           </a:p>
           <a:p>
-            <a:pPr marL="285840" indent="-284400">
+            <a:pPr>
               <a:lnSpc>
                 <a:spcPct val="100000"/>
               </a:lnSpc>
               <a:spcBef>
                 <a:spcPts val="479"/>
               </a:spcBef>
-              <a:buClr>
-                <a:srgbClr val="40458c"/>
-              </a:buClr>
-              <a:buFont typeface="Symbol"/>
-              <a:buChar char="·"/>
             </a:pPr>
             <a:endParaRPr b="0" lang="en-US" sz="2400" spc="-1" strike="noStrike">
               <a:latin typeface="Arial"/>
             </a:endParaRPr>
           </a:p>
           <a:p>
-            <a:pPr lvl="9" marL="2160000" indent="-216000">
+            <a:pPr marL="2160000" indent="-215280">
               <a:lnSpc>
                 <a:spcPct val="100000"/>
               </a:lnSpc>
@@ -12797,7 +12728,7 @@
         <p:spPr>
           <a:xfrm>
             <a:off x="3461040" y="2410200"/>
-            <a:ext cx="5394600" cy="3210120"/>
+            <a:ext cx="5393880" cy="3209400"/>
           </a:xfrm>
           <a:prstGeom prst="rect">
             <a:avLst/>
@@ -12846,7 +12777,7 @@
         <p:spPr>
           <a:xfrm>
             <a:off x="412920" y="150840"/>
-            <a:ext cx="8529840" cy="570240"/>
+            <a:ext cx="8529120" cy="569520"/>
           </a:xfrm>
           <a:prstGeom prst="rect">
             <a:avLst/>
@@ -12897,7 +12828,7 @@
         <p:spPr>
           <a:xfrm>
             <a:off x="423720" y="914400"/>
-            <a:ext cx="8487000" cy="5189760"/>
+            <a:ext cx="8486280" cy="5189040"/>
           </a:xfrm>
           <a:prstGeom prst="rect">
             <a:avLst/>
@@ -12918,7 +12849,7 @@
             <a:noAutofit/>
           </a:bodyPr>
           <a:p>
-            <a:pPr marL="285840" indent="-284400">
+            <a:pPr marL="285840" indent="-283680">
               <a:lnSpc>
                 <a:spcPct val="100000"/>
               </a:lnSpc>
@@ -12946,7 +12877,7 @@
             </a:endParaRPr>
           </a:p>
           <a:p>
-            <a:pPr marL="285840" indent="-284400">
+            <a:pPr marL="285840" indent="-283680">
               <a:lnSpc>
                 <a:spcPct val="100000"/>
               </a:lnSpc>
@@ -12974,7 +12905,7 @@
             </a:endParaRPr>
           </a:p>
           <a:p>
-            <a:pPr lvl="1" marL="864000" indent="-322920">
+            <a:pPr lvl="1" marL="864000" indent="-322200">
               <a:lnSpc>
                 <a:spcPct val="100000"/>
               </a:lnSpc>
@@ -13003,7 +12934,7 @@
             </a:endParaRPr>
           </a:p>
           <a:p>
-            <a:pPr marL="285840" indent="-284400">
+            <a:pPr marL="285840" indent="-283680">
               <a:lnSpc>
                 <a:spcPct val="100000"/>
               </a:lnSpc>
@@ -13031,7 +12962,7 @@
             </a:endParaRPr>
           </a:p>
           <a:p>
-            <a:pPr lvl="1" marL="864000" indent="-322920">
+            <a:pPr lvl="1" marL="864000" indent="-322200">
               <a:lnSpc>
                 <a:spcPct val="100000"/>
               </a:lnSpc>
@@ -13060,7 +12991,7 @@
             </a:endParaRPr>
           </a:p>
           <a:p>
-            <a:pPr lvl="1" marL="864000" indent="-322920">
+            <a:pPr lvl="1" marL="864000" indent="-322200">
               <a:lnSpc>
                 <a:spcPct val="100000"/>
               </a:lnSpc>
@@ -13154,7 +13085,7 @@
             </a:endParaRPr>
           </a:p>
           <a:p>
-            <a:pPr lvl="1" marL="864000" indent="-322920">
+            <a:pPr lvl="1" marL="864000" indent="-322200">
               <a:lnSpc>
                 <a:spcPct val="100000"/>
               </a:lnSpc>
@@ -13257,7 +13188,7 @@
         <p:spPr>
           <a:xfrm>
             <a:off x="4510080" y="3746520"/>
-            <a:ext cx="4344840" cy="1994040"/>
+            <a:ext cx="4344120" cy="1993320"/>
           </a:xfrm>
           <a:prstGeom prst="rect">
             <a:avLst/>
@@ -13306,7 +13237,7 @@
         <p:spPr>
           <a:xfrm>
             <a:off x="412920" y="150840"/>
-            <a:ext cx="8529840" cy="570240"/>
+            <a:ext cx="8529120" cy="569520"/>
           </a:xfrm>
           <a:prstGeom prst="rect">
             <a:avLst/>
@@ -13357,7 +13288,7 @@
         <p:spPr>
           <a:xfrm>
             <a:off x="423720" y="914400"/>
-            <a:ext cx="8487000" cy="5189760"/>
+            <a:ext cx="8486280" cy="5189040"/>
           </a:xfrm>
           <a:prstGeom prst="rect">
             <a:avLst/>
@@ -13378,7 +13309,7 @@
             <a:noAutofit/>
           </a:bodyPr>
           <a:p>
-            <a:pPr marL="285840" indent="-284400">
+            <a:pPr marL="285840" indent="-283680">
               <a:lnSpc>
                 <a:spcPct val="100000"/>
               </a:lnSpc>
@@ -13406,7 +13337,7 @@
             </a:endParaRPr>
           </a:p>
           <a:p>
-            <a:pPr marL="285840" indent="-284400">
+            <a:pPr marL="285840" indent="-283680">
               <a:lnSpc>
                 <a:spcPct val="100000"/>
               </a:lnSpc>
@@ -13434,7 +13365,7 @@
             </a:endParaRPr>
           </a:p>
           <a:p>
-            <a:pPr lvl="1" marL="864000" indent="-322920">
+            <a:pPr lvl="1" marL="864000" indent="-322200">
               <a:lnSpc>
                 <a:spcPct val="100000"/>
               </a:lnSpc>
@@ -13463,7 +13394,7 @@
             </a:endParaRPr>
           </a:p>
           <a:p>
-            <a:pPr lvl="1" marL="864000" indent="-322920">
+            <a:pPr lvl="1" marL="864000" indent="-322200">
               <a:lnSpc>
                 <a:spcPct val="100000"/>
               </a:lnSpc>
@@ -13492,7 +13423,7 @@
             </a:endParaRPr>
           </a:p>
           <a:p>
-            <a:pPr lvl="1" marL="864000" indent="-322920">
+            <a:pPr lvl="1" marL="864000" indent="-322200">
               <a:lnSpc>
                 <a:spcPct val="100000"/>
               </a:lnSpc>
@@ -13521,7 +13452,7 @@
             </a:endParaRPr>
           </a:p>
           <a:p>
-            <a:pPr marL="285840" indent="-284400">
+            <a:pPr marL="285840" indent="-283680">
               <a:lnSpc>
                 <a:spcPct val="100000"/>
               </a:lnSpc>
@@ -13549,7 +13480,7 @@
             </a:endParaRPr>
           </a:p>
           <a:p>
-            <a:pPr lvl="1" marL="864000" indent="-322920">
+            <a:pPr lvl="1" marL="864000" indent="-322200">
               <a:lnSpc>
                 <a:spcPct val="100000"/>
               </a:lnSpc>
@@ -13578,7 +13509,7 @@
             </a:endParaRPr>
           </a:p>
           <a:p>
-            <a:pPr lvl="1" marL="864000" indent="-322920">
+            <a:pPr lvl="1" marL="864000" indent="-322200">
               <a:lnSpc>
                 <a:spcPct val="100000"/>
               </a:lnSpc>
@@ -13647,7 +13578,7 @@
         <p:spPr>
           <a:xfrm>
             <a:off x="412920" y="150840"/>
-            <a:ext cx="8529840" cy="570240"/>
+            <a:ext cx="8529120" cy="569520"/>
           </a:xfrm>
           <a:prstGeom prst="rect">
             <a:avLst/>
@@ -13698,7 +13629,7 @@
         <p:spPr>
           <a:xfrm>
             <a:off x="423720" y="914400"/>
-            <a:ext cx="8487000" cy="5189760"/>
+            <a:ext cx="8486280" cy="5189040"/>
           </a:xfrm>
           <a:prstGeom prst="rect">
             <a:avLst/>
@@ -13719,7 +13650,7 @@
             <a:noAutofit/>
           </a:bodyPr>
           <a:p>
-            <a:pPr marL="285840" indent="-284400">
+            <a:pPr marL="285840" indent="-283680">
               <a:lnSpc>
                 <a:spcPct val="100000"/>
               </a:lnSpc>
@@ -13747,7 +13678,7 @@
             </a:endParaRPr>
           </a:p>
           <a:p>
-            <a:pPr marL="285840" indent="-284400">
+            <a:pPr marL="285840" indent="-283680">
               <a:lnSpc>
                 <a:spcPct val="100000"/>
               </a:lnSpc>
@@ -13775,7 +13706,7 @@
             </a:endParaRPr>
           </a:p>
           <a:p>
-            <a:pPr lvl="1" marL="864000" indent="-322920">
+            <a:pPr lvl="1" marL="864000" indent="-322200">
               <a:lnSpc>
                 <a:spcPct val="100000"/>
               </a:lnSpc>
@@ -13856,7 +13787,7 @@
             </a:endParaRPr>
           </a:p>
           <a:p>
-            <a:pPr lvl="1" marL="864000" indent="-322920">
+            <a:pPr lvl="1" marL="864000" indent="-322200">
               <a:lnSpc>
                 <a:spcPct val="100000"/>
               </a:lnSpc>
@@ -13934,26 +13865,20 @@
             </a:endParaRPr>
           </a:p>
           <a:p>
-            <a:pPr lvl="1" marL="864000" indent="-322920">
+            <a:pPr>
               <a:lnSpc>
                 <a:spcPct val="100000"/>
               </a:lnSpc>
               <a:spcBef>
                 <a:spcPts val="1134"/>
               </a:spcBef>
-              <a:buClr>
-                <a:srgbClr val="000000"/>
-              </a:buClr>
-              <a:buSzPct val="75000"/>
-              <a:buFont typeface="Symbol"/>
-              <a:buChar char=""/>
             </a:pPr>
             <a:endParaRPr b="0" lang="en-US" sz="1200" spc="-1" strike="noStrike">
               <a:latin typeface="Arial"/>
             </a:endParaRPr>
           </a:p>
           <a:p>
-            <a:pPr lvl="1" marL="864000" indent="-322920">
+            <a:pPr lvl="1" marL="864000" indent="-322200">
               <a:lnSpc>
                 <a:spcPct val="100000"/>
               </a:lnSpc>
@@ -14056,7 +13981,7 @@
         <p:spPr>
           <a:xfrm>
             <a:off x="4403520" y="3000960"/>
-            <a:ext cx="4099320" cy="2467800"/>
+            <a:ext cx="4098600" cy="2467080"/>
           </a:xfrm>
           <a:prstGeom prst="rect">
             <a:avLst/>
@@ -14079,7 +14004,7 @@
         <p:spPr>
           <a:xfrm>
             <a:off x="1296720" y="2468880"/>
-            <a:ext cx="2193840" cy="1533240"/>
+            <a:ext cx="2193120" cy="1532520"/>
           </a:xfrm>
           <a:prstGeom prst="rect">
             <a:avLst/>
@@ -14102,7 +14027,7 @@
         <p:spPr>
           <a:xfrm>
             <a:off x="1404720" y="4189680"/>
-            <a:ext cx="1961280" cy="1332000"/>
+            <a:ext cx="1960560" cy="1331280"/>
           </a:xfrm>
           <a:prstGeom prst="rect">
             <a:avLst/>
@@ -14151,7 +14076,7 @@
         <p:spPr>
           <a:xfrm>
             <a:off x="412920" y="150840"/>
-            <a:ext cx="8529840" cy="570240"/>
+            <a:ext cx="8529120" cy="569520"/>
           </a:xfrm>
           <a:prstGeom prst="rect">
             <a:avLst/>
@@ -14202,7 +14127,7 @@
         <p:spPr>
           <a:xfrm>
             <a:off x="423720" y="914400"/>
-            <a:ext cx="8487000" cy="5189760"/>
+            <a:ext cx="8486280" cy="5189040"/>
           </a:xfrm>
           <a:prstGeom prst="rect">
             <a:avLst/>
@@ -14223,7 +14148,7 @@
             <a:noAutofit/>
           </a:bodyPr>
           <a:p>
-            <a:pPr marL="285840" indent="-284400">
+            <a:pPr marL="285840" indent="-283680">
               <a:lnSpc>
                 <a:spcPct val="100000"/>
               </a:lnSpc>
@@ -14251,7 +14176,7 @@
             </a:endParaRPr>
           </a:p>
           <a:p>
-            <a:pPr marL="285840" indent="-284400">
+            <a:pPr marL="285840" indent="-283680">
               <a:lnSpc>
                 <a:spcPct val="100000"/>
               </a:lnSpc>
@@ -14279,7 +14204,7 @@
             </a:endParaRPr>
           </a:p>
           <a:p>
-            <a:pPr lvl="1" marL="864000" indent="-322920">
+            <a:pPr lvl="1" marL="864000" indent="-322200">
               <a:lnSpc>
                 <a:spcPct val="100000"/>
               </a:lnSpc>
@@ -14308,7 +14233,7 @@
             </a:endParaRPr>
           </a:p>
           <a:p>
-            <a:pPr lvl="1" marL="864000" indent="-322920">
+            <a:pPr lvl="1" marL="864000" indent="-322200">
               <a:lnSpc>
                 <a:spcPct val="100000"/>
               </a:lnSpc>
@@ -14337,7 +14262,7 @@
             </a:endParaRPr>
           </a:p>
           <a:p>
-            <a:pPr lvl="2" marL="1296000" indent="-286920">
+            <a:pPr lvl="2" marL="1296000" indent="-286200">
               <a:lnSpc>
                 <a:spcPct val="100000"/>
               </a:lnSpc>
@@ -14366,7 +14291,7 @@
             </a:endParaRPr>
           </a:p>
           <a:p>
-            <a:pPr lvl="2" marL="1296000" indent="-286920">
+            <a:pPr lvl="2" marL="1296000" indent="-286200">
               <a:lnSpc>
                 <a:spcPct val="100000"/>
               </a:lnSpc>
@@ -14966,7 +14891,7 @@
         <p:spPr>
           <a:xfrm>
             <a:off x="5293800" y="2476080"/>
-            <a:ext cx="2549880" cy="1291680"/>
+            <a:ext cx="2549160" cy="1290960"/>
           </a:xfrm>
           <a:prstGeom prst="rect">
             <a:avLst/>
@@ -14989,7 +14914,7 @@
         <p:spPr>
           <a:xfrm>
             <a:off x="5320080" y="4261680"/>
-            <a:ext cx="2403000" cy="1340640"/>
+            <a:ext cx="2402280" cy="1339920"/>
           </a:xfrm>
           <a:prstGeom prst="rect">
             <a:avLst/>
@@ -15012,7 +14937,7 @@
         <p:spPr>
           <a:xfrm>
             <a:off x="728640" y="3291840"/>
-            <a:ext cx="3918240" cy="2517480"/>
+            <a:ext cx="3917520" cy="2516760"/>
           </a:xfrm>
           <a:prstGeom prst="rect">
             <a:avLst/>
@@ -15061,7 +14986,7 @@
         <p:spPr>
           <a:xfrm>
             <a:off x="412920" y="150840"/>
-            <a:ext cx="8529840" cy="570240"/>
+            <a:ext cx="8529120" cy="569520"/>
           </a:xfrm>
           <a:prstGeom prst="rect">
             <a:avLst/>
@@ -15112,7 +15037,7 @@
         <p:spPr>
           <a:xfrm>
             <a:off x="423720" y="914400"/>
-            <a:ext cx="8487000" cy="5189760"/>
+            <a:ext cx="8486280" cy="5189040"/>
           </a:xfrm>
           <a:prstGeom prst="rect">
             <a:avLst/>
@@ -15133,7 +15058,7 @@
             <a:noAutofit/>
           </a:bodyPr>
           <a:p>
-            <a:pPr marL="285840" indent="-284400">
+            <a:pPr marL="285840" indent="-283680">
               <a:lnSpc>
                 <a:spcPct val="100000"/>
               </a:lnSpc>
@@ -15161,7 +15086,7 @@
             </a:endParaRPr>
           </a:p>
           <a:p>
-            <a:pPr marL="285840" indent="-284400">
+            <a:pPr marL="285840" indent="-283680">
               <a:lnSpc>
                 <a:spcPct val="100000"/>
               </a:lnSpc>
@@ -15189,7 +15114,7 @@
             </a:endParaRPr>
           </a:p>
           <a:p>
-            <a:pPr lvl="1" marL="864000" indent="-322920">
+            <a:pPr lvl="1" marL="864000" indent="-322200">
               <a:lnSpc>
                 <a:spcPct val="100000"/>
               </a:lnSpc>
@@ -15218,7 +15143,7 @@
             </a:endParaRPr>
           </a:p>
           <a:p>
-            <a:pPr lvl="1" marL="864000" indent="-322920">
+            <a:pPr lvl="1" marL="864000" indent="-322200">
               <a:lnSpc>
                 <a:spcPct val="100000"/>
               </a:lnSpc>
@@ -15247,7 +15172,7 @@
             </a:endParaRPr>
           </a:p>
           <a:p>
-            <a:pPr lvl="2" marL="1296000" indent="-286920">
+            <a:pPr lvl="2" marL="1296000" indent="-286200">
               <a:lnSpc>
                 <a:spcPct val="100000"/>
               </a:lnSpc>
@@ -15276,7 +15201,7 @@
             </a:endParaRPr>
           </a:p>
           <a:p>
-            <a:pPr lvl="2" marL="1296000" indent="-286920">
+            <a:pPr lvl="2" marL="1296000" indent="-286200">
               <a:lnSpc>
                 <a:spcPct val="100000"/>
               </a:lnSpc>
@@ -15383,7 +15308,7 @@
             </a:endParaRPr>
           </a:p>
           <a:p>
-            <a:pPr marL="2160000" indent="-215280">
+            <a:pPr marL="2160000" indent="-214560">
               <a:lnSpc>
                 <a:spcPct val="100000"/>
               </a:lnSpc>
@@ -15436,7 +15361,7 @@
         <p:spPr>
           <a:xfrm>
             <a:off x="3732480" y="2673000"/>
-            <a:ext cx="4754160" cy="2782800"/>
+            <a:ext cx="4753440" cy="2782080"/>
           </a:xfrm>
           <a:prstGeom prst="rect">
             <a:avLst/>
